--- a/documents/Presentation.pptx
+++ b/documents/Presentation.pptx
@@ -19,6 +19,7 @@
     <p:sldId id="264" r:id="rId16"/>
     <p:sldId id="265" r:id="rId17"/>
     <p:sldId id="266" r:id="rId18"/>
+    <p:sldId id="267" r:id="rId19"/>
   </p:sldIdLst>
   <p:sldSz cx="24384000" cy="13716000"/>
   <p:notesSz cx="6858000" cy="9144000"/>
@@ -73,10 +74,10 @@
         </a:solidFill>
         <a:effectLst/>
         <a:uFillTx/>
-        <a:latin typeface="Canela Text Regular"/>
-        <a:ea typeface="Canela Text Regular"/>
-        <a:cs typeface="Canela Text Regular"/>
-        <a:sym typeface="Canela Text Regular"/>
+        <a:latin typeface="+mn-lt"/>
+        <a:ea typeface="+mn-ea"/>
+        <a:cs typeface="+mn-cs"/>
+        <a:sym typeface="Times New Roman"/>
       </a:defRPr>
     </a:lvl1pPr>
     <a:lvl2pPr marL="0" marR="0" indent="457200" algn="l" defTabSz="2438338" rtl="0" fontAlgn="auto" latinLnBrk="0" hangingPunct="0">
@@ -103,10 +104,10 @@
         </a:solidFill>
         <a:effectLst/>
         <a:uFillTx/>
-        <a:latin typeface="Canela Text Regular"/>
-        <a:ea typeface="Canela Text Regular"/>
-        <a:cs typeface="Canela Text Regular"/>
-        <a:sym typeface="Canela Text Regular"/>
+        <a:latin typeface="+mn-lt"/>
+        <a:ea typeface="+mn-ea"/>
+        <a:cs typeface="+mn-cs"/>
+        <a:sym typeface="Times New Roman"/>
       </a:defRPr>
     </a:lvl2pPr>
     <a:lvl3pPr marL="0" marR="0" indent="914400" algn="l" defTabSz="2438338" rtl="0" fontAlgn="auto" latinLnBrk="0" hangingPunct="0">
@@ -133,10 +134,10 @@
         </a:solidFill>
         <a:effectLst/>
         <a:uFillTx/>
-        <a:latin typeface="Canela Text Regular"/>
-        <a:ea typeface="Canela Text Regular"/>
-        <a:cs typeface="Canela Text Regular"/>
-        <a:sym typeface="Canela Text Regular"/>
+        <a:latin typeface="+mn-lt"/>
+        <a:ea typeface="+mn-ea"/>
+        <a:cs typeface="+mn-cs"/>
+        <a:sym typeface="Times New Roman"/>
       </a:defRPr>
     </a:lvl3pPr>
     <a:lvl4pPr marL="0" marR="0" indent="1371600" algn="l" defTabSz="2438338" rtl="0" fontAlgn="auto" latinLnBrk="0" hangingPunct="0">
@@ -163,10 +164,10 @@
         </a:solidFill>
         <a:effectLst/>
         <a:uFillTx/>
-        <a:latin typeface="Canela Text Regular"/>
-        <a:ea typeface="Canela Text Regular"/>
-        <a:cs typeface="Canela Text Regular"/>
-        <a:sym typeface="Canela Text Regular"/>
+        <a:latin typeface="+mn-lt"/>
+        <a:ea typeface="+mn-ea"/>
+        <a:cs typeface="+mn-cs"/>
+        <a:sym typeface="Times New Roman"/>
       </a:defRPr>
     </a:lvl4pPr>
     <a:lvl5pPr marL="0" marR="0" indent="1828800" algn="l" defTabSz="2438338" rtl="0" fontAlgn="auto" latinLnBrk="0" hangingPunct="0">
@@ -193,10 +194,10 @@
         </a:solidFill>
         <a:effectLst/>
         <a:uFillTx/>
-        <a:latin typeface="Canela Text Regular"/>
-        <a:ea typeface="Canela Text Regular"/>
-        <a:cs typeface="Canela Text Regular"/>
-        <a:sym typeface="Canela Text Regular"/>
+        <a:latin typeface="+mn-lt"/>
+        <a:ea typeface="+mn-ea"/>
+        <a:cs typeface="+mn-cs"/>
+        <a:sym typeface="Times New Roman"/>
       </a:defRPr>
     </a:lvl5pPr>
     <a:lvl6pPr marL="0" marR="0" indent="2286000" algn="l" defTabSz="2438338" rtl="0" fontAlgn="auto" latinLnBrk="0" hangingPunct="0">
@@ -223,10 +224,10 @@
         </a:solidFill>
         <a:effectLst/>
         <a:uFillTx/>
-        <a:latin typeface="Canela Text Regular"/>
-        <a:ea typeface="Canela Text Regular"/>
-        <a:cs typeface="Canela Text Regular"/>
-        <a:sym typeface="Canela Text Regular"/>
+        <a:latin typeface="+mn-lt"/>
+        <a:ea typeface="+mn-ea"/>
+        <a:cs typeface="+mn-cs"/>
+        <a:sym typeface="Times New Roman"/>
       </a:defRPr>
     </a:lvl6pPr>
     <a:lvl7pPr marL="0" marR="0" indent="2743200" algn="l" defTabSz="2438338" rtl="0" fontAlgn="auto" latinLnBrk="0" hangingPunct="0">
@@ -253,10 +254,10 @@
         </a:solidFill>
         <a:effectLst/>
         <a:uFillTx/>
-        <a:latin typeface="Canela Text Regular"/>
-        <a:ea typeface="Canela Text Regular"/>
-        <a:cs typeface="Canela Text Regular"/>
-        <a:sym typeface="Canela Text Regular"/>
+        <a:latin typeface="+mn-lt"/>
+        <a:ea typeface="+mn-ea"/>
+        <a:cs typeface="+mn-cs"/>
+        <a:sym typeface="Times New Roman"/>
       </a:defRPr>
     </a:lvl7pPr>
     <a:lvl8pPr marL="0" marR="0" indent="3200400" algn="l" defTabSz="2438338" rtl="0" fontAlgn="auto" latinLnBrk="0" hangingPunct="0">
@@ -283,10 +284,10 @@
         </a:solidFill>
         <a:effectLst/>
         <a:uFillTx/>
-        <a:latin typeface="Canela Text Regular"/>
-        <a:ea typeface="Canela Text Regular"/>
-        <a:cs typeface="Canela Text Regular"/>
-        <a:sym typeface="Canela Text Regular"/>
+        <a:latin typeface="+mn-lt"/>
+        <a:ea typeface="+mn-ea"/>
+        <a:cs typeface="+mn-cs"/>
+        <a:sym typeface="Times New Roman"/>
       </a:defRPr>
     </a:lvl8pPr>
     <a:lvl9pPr marL="0" marR="0" indent="3657600" algn="l" defTabSz="2438338" rtl="0" fontAlgn="auto" latinLnBrk="0" hangingPunct="0">
@@ -313,10 +314,10 @@
         </a:solidFill>
         <a:effectLst/>
         <a:uFillTx/>
-        <a:latin typeface="Canela Text Regular"/>
-        <a:ea typeface="Canela Text Regular"/>
-        <a:cs typeface="Canela Text Regular"/>
-        <a:sym typeface="Canela Text Regular"/>
+        <a:latin typeface="+mn-lt"/>
+        <a:ea typeface="+mn-ea"/>
+        <a:cs typeface="+mn-cs"/>
+        <a:sym typeface="Times New Roman"/>
       </a:defRPr>
     </a:lvl9pPr>
   </p:defaultTextStyle>
@@ -403,10 +404,10 @@
         <a:spcPct val="117999"/>
       </a:lnSpc>
       <a:defRPr sz="2200">
-        <a:latin typeface="Helvetica Neue"/>
-        <a:ea typeface="Helvetica Neue"/>
-        <a:cs typeface="Helvetica Neue"/>
-        <a:sym typeface="Helvetica Neue"/>
+        <a:latin typeface="+mn-lt"/>
+        <a:ea typeface="+mn-ea"/>
+        <a:cs typeface="+mn-cs"/>
+        <a:sym typeface="Times New Roman"/>
       </a:defRPr>
     </a:lvl1pPr>
     <a:lvl2pPr indent="228600" defTabSz="457200" latinLnBrk="0">
@@ -414,10 +415,10 @@
         <a:spcPct val="117999"/>
       </a:lnSpc>
       <a:defRPr sz="2200">
-        <a:latin typeface="Helvetica Neue"/>
-        <a:ea typeface="Helvetica Neue"/>
-        <a:cs typeface="Helvetica Neue"/>
-        <a:sym typeface="Helvetica Neue"/>
+        <a:latin typeface="+mn-lt"/>
+        <a:ea typeface="+mn-ea"/>
+        <a:cs typeface="+mn-cs"/>
+        <a:sym typeface="Times New Roman"/>
       </a:defRPr>
     </a:lvl2pPr>
     <a:lvl3pPr indent="457200" defTabSz="457200" latinLnBrk="0">
@@ -425,10 +426,10 @@
         <a:spcPct val="117999"/>
       </a:lnSpc>
       <a:defRPr sz="2200">
-        <a:latin typeface="Helvetica Neue"/>
-        <a:ea typeface="Helvetica Neue"/>
-        <a:cs typeface="Helvetica Neue"/>
-        <a:sym typeface="Helvetica Neue"/>
+        <a:latin typeface="+mn-lt"/>
+        <a:ea typeface="+mn-ea"/>
+        <a:cs typeface="+mn-cs"/>
+        <a:sym typeface="Times New Roman"/>
       </a:defRPr>
     </a:lvl3pPr>
     <a:lvl4pPr indent="685800" defTabSz="457200" latinLnBrk="0">
@@ -436,10 +437,10 @@
         <a:spcPct val="117999"/>
       </a:lnSpc>
       <a:defRPr sz="2200">
-        <a:latin typeface="Helvetica Neue"/>
-        <a:ea typeface="Helvetica Neue"/>
-        <a:cs typeface="Helvetica Neue"/>
-        <a:sym typeface="Helvetica Neue"/>
+        <a:latin typeface="+mn-lt"/>
+        <a:ea typeface="+mn-ea"/>
+        <a:cs typeface="+mn-cs"/>
+        <a:sym typeface="Times New Roman"/>
       </a:defRPr>
     </a:lvl4pPr>
     <a:lvl5pPr indent="914400" defTabSz="457200" latinLnBrk="0">
@@ -447,10 +448,10 @@
         <a:spcPct val="117999"/>
       </a:lnSpc>
       <a:defRPr sz="2200">
-        <a:latin typeface="Helvetica Neue"/>
-        <a:ea typeface="Helvetica Neue"/>
-        <a:cs typeface="Helvetica Neue"/>
-        <a:sym typeface="Helvetica Neue"/>
+        <a:latin typeface="+mn-lt"/>
+        <a:ea typeface="+mn-ea"/>
+        <a:cs typeface="+mn-cs"/>
+        <a:sym typeface="Times New Roman"/>
       </a:defRPr>
     </a:lvl5pPr>
     <a:lvl6pPr indent="1143000" defTabSz="457200" latinLnBrk="0">
@@ -458,10 +459,10 @@
         <a:spcPct val="117999"/>
       </a:lnSpc>
       <a:defRPr sz="2200">
-        <a:latin typeface="Helvetica Neue"/>
-        <a:ea typeface="Helvetica Neue"/>
-        <a:cs typeface="Helvetica Neue"/>
-        <a:sym typeface="Helvetica Neue"/>
+        <a:latin typeface="+mn-lt"/>
+        <a:ea typeface="+mn-ea"/>
+        <a:cs typeface="+mn-cs"/>
+        <a:sym typeface="Times New Roman"/>
       </a:defRPr>
     </a:lvl6pPr>
     <a:lvl7pPr indent="1371600" defTabSz="457200" latinLnBrk="0">
@@ -469,10 +470,10 @@
         <a:spcPct val="117999"/>
       </a:lnSpc>
       <a:defRPr sz="2200">
-        <a:latin typeface="Helvetica Neue"/>
-        <a:ea typeface="Helvetica Neue"/>
-        <a:cs typeface="Helvetica Neue"/>
-        <a:sym typeface="Helvetica Neue"/>
+        <a:latin typeface="+mn-lt"/>
+        <a:ea typeface="+mn-ea"/>
+        <a:cs typeface="+mn-cs"/>
+        <a:sym typeface="Times New Roman"/>
       </a:defRPr>
     </a:lvl7pPr>
     <a:lvl8pPr indent="1600200" defTabSz="457200" latinLnBrk="0">
@@ -480,10 +481,10 @@
         <a:spcPct val="117999"/>
       </a:lnSpc>
       <a:defRPr sz="2200">
-        <a:latin typeface="Helvetica Neue"/>
-        <a:ea typeface="Helvetica Neue"/>
-        <a:cs typeface="Helvetica Neue"/>
-        <a:sym typeface="Helvetica Neue"/>
+        <a:latin typeface="+mn-lt"/>
+        <a:ea typeface="+mn-ea"/>
+        <a:cs typeface="+mn-cs"/>
+        <a:sym typeface="Times New Roman"/>
       </a:defRPr>
     </a:lvl8pPr>
     <a:lvl9pPr indent="1828800" defTabSz="457200" latinLnBrk="0">
@@ -491,10 +492,10 @@
         <a:spcPct val="117999"/>
       </a:lnSpc>
       <a:defRPr sz="2200">
-        <a:latin typeface="Helvetica Neue"/>
-        <a:ea typeface="Helvetica Neue"/>
-        <a:cs typeface="Helvetica Neue"/>
-        <a:sym typeface="Helvetica Neue"/>
+        <a:latin typeface="+mn-lt"/>
+        <a:ea typeface="+mn-ea"/>
+        <a:cs typeface="+mn-cs"/>
+        <a:sym typeface="Times New Roman"/>
       </a:defRPr>
     </a:lvl9pPr>
   </p:notesStyle>
@@ -547,12 +548,7 @@
               </a:spcBef>
               <a:buSzTx/>
               <a:buNone/>
-              <a:defRPr spc="-29" sz="3000">
-                <a:latin typeface="Graphik Medium"/>
-                <a:ea typeface="Graphik Medium"/>
-                <a:cs typeface="Graphik Medium"/>
-                <a:sym typeface="Graphik Medium"/>
-              </a:defRPr>
+              <a:defRPr b="1" spc="-29" sz="3000"/>
             </a:lvl1pPr>
           </a:lstStyle>
           <a:p>
@@ -624,12 +620,7 @@
               </a:spcBef>
               <a:buSzTx/>
               <a:buNone/>
-              <a:defRPr spc="-59" sz="6000">
-                <a:latin typeface="Graphik Semibold"/>
-                <a:ea typeface="Graphik Semibold"/>
-                <a:cs typeface="Graphik Semibold"/>
-                <a:sym typeface="Graphik Semibold"/>
-              </a:defRPr>
+              <a:defRPr b="1" spc="-59" sz="6000"/>
             </a:lvl1pPr>
             <a:lvl2pPr marL="0" indent="457200" algn="ctr" defTabSz="825500">
               <a:lnSpc>
@@ -640,12 +631,7 @@
               </a:spcBef>
               <a:buSzTx/>
               <a:buNone/>
-              <a:defRPr spc="-59" sz="6000">
-                <a:latin typeface="Graphik Semibold"/>
-                <a:ea typeface="Graphik Semibold"/>
-                <a:cs typeface="Graphik Semibold"/>
-                <a:sym typeface="Graphik Semibold"/>
-              </a:defRPr>
+              <a:defRPr b="1" spc="-59" sz="6000"/>
             </a:lvl2pPr>
             <a:lvl3pPr marL="0" indent="914400" algn="ctr" defTabSz="825500">
               <a:lnSpc>
@@ -656,12 +642,7 @@
               </a:spcBef>
               <a:buSzTx/>
               <a:buNone/>
-              <a:defRPr spc="-59" sz="6000">
-                <a:latin typeface="Graphik Semibold"/>
-                <a:ea typeface="Graphik Semibold"/>
-                <a:cs typeface="Graphik Semibold"/>
-                <a:sym typeface="Graphik Semibold"/>
-              </a:defRPr>
+              <a:defRPr b="1" spc="-59" sz="6000"/>
             </a:lvl3pPr>
             <a:lvl4pPr marL="0" indent="1371600" algn="ctr" defTabSz="825500">
               <a:lnSpc>
@@ -672,12 +653,7 @@
               </a:spcBef>
               <a:buSzTx/>
               <a:buNone/>
-              <a:defRPr spc="-59" sz="6000">
-                <a:latin typeface="Graphik Semibold"/>
-                <a:ea typeface="Graphik Semibold"/>
-                <a:cs typeface="Graphik Semibold"/>
-                <a:sym typeface="Graphik Semibold"/>
-              </a:defRPr>
+              <a:defRPr b="1" spc="-59" sz="6000"/>
             </a:lvl4pPr>
             <a:lvl5pPr marL="0" indent="1828800" algn="ctr" defTabSz="825500">
               <a:lnSpc>
@@ -688,12 +664,7 @@
               </a:spcBef>
               <a:buSzTx/>
               <a:buNone/>
-              <a:defRPr spc="-59" sz="6000">
-                <a:latin typeface="Graphik Semibold"/>
-                <a:ea typeface="Graphik Semibold"/>
-                <a:cs typeface="Graphik Semibold"/>
-                <a:sym typeface="Graphik Semibold"/>
-              </a:defRPr>
+              <a:defRPr b="1" spc="-59" sz="6000"/>
             </a:lvl5pPr>
           </a:lstStyle>
           <a:p>
@@ -738,8 +709,8 @@
         </p:nvSpPr>
         <p:spPr>
           <a:xfrm>
-            <a:off x="12001499" y="12700000"/>
-            <a:ext cx="388621" cy="429261"/>
+            <a:off x="12011659" y="12746350"/>
+            <a:ext cx="368301" cy="382911"/>
           </a:xfrm>
           <a:prstGeom prst="rect">
             <a:avLst/>
@@ -833,12 +804,7 @@
               </a:spcBef>
               <a:buSzTx/>
               <a:buNone/>
-              <a:defRPr spc="-44">
-                <a:latin typeface="Graphik Semibold"/>
-                <a:ea typeface="Graphik Semibold"/>
-                <a:cs typeface="Graphik Semibold"/>
-                <a:sym typeface="Graphik Semibold"/>
-              </a:defRPr>
+              <a:defRPr b="1" spc="-44"/>
             </a:lvl1pPr>
           </a:lstStyle>
           <a:p>
@@ -859,8 +825,8 @@
         </p:nvSpPr>
         <p:spPr>
           <a:xfrm>
-            <a:off x="12001499" y="12700000"/>
-            <a:ext cx="388621" cy="429261"/>
+            <a:off x="12011659" y="12746350"/>
+            <a:ext cx="368301" cy="382911"/>
           </a:xfrm>
           <a:prstGeom prst="rect">
             <a:avLst/>
@@ -951,12 +917,7 @@
               </a:lnSpc>
               <a:buSzTx/>
               <a:buNone/>
-              <a:defRPr spc="-136" sz="6800">
-                <a:latin typeface="Canela Deck Regular"/>
-                <a:ea typeface="Canela Deck Regular"/>
-                <a:cs typeface="Canela Deck Regular"/>
-                <a:sym typeface="Canela Deck Regular"/>
-              </a:defRPr>
+              <a:defRPr spc="-136" sz="6800"/>
             </a:lvl1pPr>
             <a:lvl2pPr marL="0" indent="457200" defTabSz="825500">
               <a:lnSpc>
@@ -964,12 +925,7 @@
               </a:lnSpc>
               <a:buSzTx/>
               <a:buNone/>
-              <a:defRPr spc="-136" sz="6800">
-                <a:latin typeface="Canela Deck Regular"/>
-                <a:ea typeface="Canela Deck Regular"/>
-                <a:cs typeface="Canela Deck Regular"/>
-                <a:sym typeface="Canela Deck Regular"/>
-              </a:defRPr>
+              <a:defRPr spc="-136" sz="6800"/>
             </a:lvl2pPr>
             <a:lvl3pPr marL="0" indent="914400" defTabSz="825500">
               <a:lnSpc>
@@ -977,12 +933,7 @@
               </a:lnSpc>
               <a:buSzTx/>
               <a:buNone/>
-              <a:defRPr spc="-136" sz="6800">
-                <a:latin typeface="Canela Deck Regular"/>
-                <a:ea typeface="Canela Deck Regular"/>
-                <a:cs typeface="Canela Deck Regular"/>
-                <a:sym typeface="Canela Deck Regular"/>
-              </a:defRPr>
+              <a:defRPr spc="-136" sz="6800"/>
             </a:lvl3pPr>
             <a:lvl4pPr marL="0" indent="1371600" defTabSz="825500">
               <a:lnSpc>
@@ -990,12 +941,7 @@
               </a:lnSpc>
               <a:buSzTx/>
               <a:buNone/>
-              <a:defRPr spc="-136" sz="6800">
-                <a:latin typeface="Canela Deck Regular"/>
-                <a:ea typeface="Canela Deck Regular"/>
-                <a:cs typeface="Canela Deck Regular"/>
-                <a:sym typeface="Canela Deck Regular"/>
-              </a:defRPr>
+              <a:defRPr spc="-136" sz="6800"/>
             </a:lvl4pPr>
             <a:lvl5pPr marL="0" indent="1828800" defTabSz="825500">
               <a:lnSpc>
@@ -1003,12 +949,7 @@
               </a:lnSpc>
               <a:buSzTx/>
               <a:buNone/>
-              <a:defRPr spc="-136" sz="6800">
-                <a:latin typeface="Canela Deck Regular"/>
-                <a:ea typeface="Canela Deck Regular"/>
-                <a:cs typeface="Canela Deck Regular"/>
-                <a:sym typeface="Canela Deck Regular"/>
-              </a:defRPr>
+              <a:defRPr spc="-136" sz="6800"/>
             </a:lvl5pPr>
           </a:lstStyle>
           <a:p>
@@ -1072,12 +1013,7 @@
               </a:spcBef>
               <a:buSzTx/>
               <a:buNone/>
-              <a:defRPr spc="-44">
-                <a:latin typeface="Graphik Semibold"/>
-                <a:ea typeface="Graphik Semibold"/>
-                <a:cs typeface="Graphik Semibold"/>
-                <a:sym typeface="Graphik Semibold"/>
-              </a:defRPr>
+              <a:defRPr b="1" spc="-44"/>
             </a:lvl1pPr>
           </a:lstStyle>
           <a:p>
@@ -1098,8 +1034,8 @@
         </p:nvSpPr>
         <p:spPr>
           <a:xfrm>
-            <a:off x="12001499" y="12700000"/>
-            <a:ext cx="388621" cy="429261"/>
+            <a:off x="12011659" y="12746350"/>
+            <a:ext cx="368301" cy="382911"/>
           </a:xfrm>
           <a:prstGeom prst="rect">
             <a:avLst/>
@@ -1169,12 +1105,7 @@
               </a:spcBef>
               <a:buSzTx/>
               <a:buNone/>
-              <a:defRPr sz="12800">
-                <a:latin typeface="Canela Regular"/>
-                <a:ea typeface="Canela Regular"/>
-                <a:cs typeface="Canela Regular"/>
-                <a:sym typeface="Canela Regular"/>
-              </a:defRPr>
+              <a:defRPr sz="12800"/>
             </a:lvl1pPr>
             <a:lvl2pPr marL="0" indent="457200" algn="ctr" defTabSz="2438400">
               <a:lnSpc>
@@ -1185,12 +1116,7 @@
               </a:spcBef>
               <a:buSzTx/>
               <a:buNone/>
-              <a:defRPr sz="12800">
-                <a:latin typeface="Canela Regular"/>
-                <a:ea typeface="Canela Regular"/>
-                <a:cs typeface="Canela Regular"/>
-                <a:sym typeface="Canela Regular"/>
-              </a:defRPr>
+              <a:defRPr sz="12800"/>
             </a:lvl2pPr>
             <a:lvl3pPr marL="0" indent="914400" algn="ctr" defTabSz="2438400">
               <a:lnSpc>
@@ -1201,12 +1127,7 @@
               </a:spcBef>
               <a:buSzTx/>
               <a:buNone/>
-              <a:defRPr sz="12800">
-                <a:latin typeface="Canela Regular"/>
-                <a:ea typeface="Canela Regular"/>
-                <a:cs typeface="Canela Regular"/>
-                <a:sym typeface="Canela Regular"/>
-              </a:defRPr>
+              <a:defRPr sz="12800"/>
             </a:lvl3pPr>
             <a:lvl4pPr marL="0" indent="1371600" algn="ctr" defTabSz="2438400">
               <a:lnSpc>
@@ -1217,12 +1138,7 @@
               </a:spcBef>
               <a:buSzTx/>
               <a:buNone/>
-              <a:defRPr sz="12800">
-                <a:latin typeface="Canela Regular"/>
-                <a:ea typeface="Canela Regular"/>
-                <a:cs typeface="Canela Regular"/>
-                <a:sym typeface="Canela Regular"/>
-              </a:defRPr>
+              <a:defRPr sz="12800"/>
             </a:lvl4pPr>
             <a:lvl5pPr marL="0" indent="1828800" algn="ctr" defTabSz="2438400">
               <a:lnSpc>
@@ -1233,12 +1149,7 @@
               </a:spcBef>
               <a:buSzTx/>
               <a:buNone/>
-              <a:defRPr sz="12800">
-                <a:latin typeface="Canela Regular"/>
-                <a:ea typeface="Canela Regular"/>
-                <a:cs typeface="Canela Regular"/>
-                <a:sym typeface="Canela Regular"/>
-              </a:defRPr>
+              <a:defRPr sz="12800"/>
             </a:lvl5pPr>
           </a:lstStyle>
           <a:p>
@@ -1350,12 +1261,7 @@
               </a:spcBef>
               <a:buSzTx/>
               <a:buNone/>
-              <a:defRPr spc="-44">
-                <a:latin typeface="Graphik Semibold"/>
-                <a:ea typeface="Graphik Semibold"/>
-                <a:cs typeface="Graphik Semibold"/>
-                <a:sym typeface="Graphik Semibold"/>
-              </a:defRPr>
+              <a:defRPr b="1" spc="-44"/>
             </a:lvl1pPr>
           </a:lstStyle>
           <a:p>
@@ -1395,12 +1301,7 @@
               </a:spcBef>
               <a:buSzTx/>
               <a:buNone/>
-              <a:defRPr sz="22400">
-                <a:latin typeface="+mn-lt"/>
-                <a:ea typeface="+mn-ea"/>
-                <a:cs typeface="+mn-cs"/>
-                <a:sym typeface="Canela Bold"/>
-              </a:defRPr>
+              <a:defRPr b="1" sz="22400"/>
             </a:lvl1pPr>
             <a:lvl2pPr marL="0" indent="457200" algn="ctr" defTabSz="2438400">
               <a:lnSpc>
@@ -1411,12 +1312,7 @@
               </a:spcBef>
               <a:buSzTx/>
               <a:buNone/>
-              <a:defRPr sz="22400">
-                <a:latin typeface="+mn-lt"/>
-                <a:ea typeface="+mn-ea"/>
-                <a:cs typeface="+mn-cs"/>
-                <a:sym typeface="Canela Bold"/>
-              </a:defRPr>
+              <a:defRPr b="1" sz="22400"/>
             </a:lvl2pPr>
             <a:lvl3pPr marL="0" indent="914400" algn="ctr" defTabSz="2438400">
               <a:lnSpc>
@@ -1427,12 +1323,7 @@
               </a:spcBef>
               <a:buSzTx/>
               <a:buNone/>
-              <a:defRPr sz="22400">
-                <a:latin typeface="+mn-lt"/>
-                <a:ea typeface="+mn-ea"/>
-                <a:cs typeface="+mn-cs"/>
-                <a:sym typeface="Canela Bold"/>
-              </a:defRPr>
+              <a:defRPr b="1" sz="22400"/>
             </a:lvl3pPr>
             <a:lvl4pPr marL="0" indent="1371600" algn="ctr" defTabSz="2438400">
               <a:lnSpc>
@@ -1443,12 +1334,7 @@
               </a:spcBef>
               <a:buSzTx/>
               <a:buNone/>
-              <a:defRPr sz="22400">
-                <a:latin typeface="+mn-lt"/>
-                <a:ea typeface="+mn-ea"/>
-                <a:cs typeface="+mn-cs"/>
-                <a:sym typeface="Canela Bold"/>
-              </a:defRPr>
+              <a:defRPr b="1" sz="22400"/>
             </a:lvl4pPr>
             <a:lvl5pPr marL="0" indent="1828800" algn="ctr" defTabSz="2438400">
               <a:lnSpc>
@@ -1459,12 +1345,7 @@
               </a:spcBef>
               <a:buSzTx/>
               <a:buNone/>
-              <a:defRPr sz="22400">
-                <a:latin typeface="+mn-lt"/>
-                <a:ea typeface="+mn-ea"/>
-                <a:cs typeface="+mn-cs"/>
-                <a:sym typeface="Canela Bold"/>
-              </a:defRPr>
+              <a:defRPr b="1" sz="22400"/>
             </a:lvl5pPr>
           </a:lstStyle>
           <a:p>
@@ -1576,12 +1457,7 @@
               </a:spcBef>
               <a:buSzTx/>
               <a:buNone/>
-              <a:defRPr spc="-44">
-                <a:latin typeface="Graphik Semibold"/>
-                <a:ea typeface="Graphik Semibold"/>
-                <a:cs typeface="Graphik Semibold"/>
-                <a:sym typeface="Graphik Semibold"/>
-              </a:defRPr>
+              <a:defRPr b="1" spc="-44"/>
             </a:lvl1pPr>
           </a:lstStyle>
           <a:p>
@@ -1621,12 +1497,7 @@
               </a:spcBef>
               <a:buSzTx/>
               <a:buNone/>
-              <a:defRPr sz="8400">
-                <a:latin typeface="+mn-lt"/>
-                <a:ea typeface="+mn-ea"/>
-                <a:cs typeface="+mn-cs"/>
-                <a:sym typeface="Canela Bold"/>
-              </a:defRPr>
+              <a:defRPr b="1" sz="8400"/>
             </a:lvl1pPr>
             <a:lvl2pPr marL="0" indent="457200" algn="ctr" defTabSz="2438400">
               <a:lnSpc>
@@ -1637,12 +1508,7 @@
               </a:spcBef>
               <a:buSzTx/>
               <a:buNone/>
-              <a:defRPr sz="8400">
-                <a:latin typeface="+mn-lt"/>
-                <a:ea typeface="+mn-ea"/>
-                <a:cs typeface="+mn-cs"/>
-                <a:sym typeface="Canela Bold"/>
-              </a:defRPr>
+              <a:defRPr b="1" sz="8400"/>
             </a:lvl2pPr>
             <a:lvl3pPr marL="0" indent="914400" algn="ctr" defTabSz="2438400">
               <a:lnSpc>
@@ -1653,12 +1519,7 @@
               </a:spcBef>
               <a:buSzTx/>
               <a:buNone/>
-              <a:defRPr sz="8400">
-                <a:latin typeface="+mn-lt"/>
-                <a:ea typeface="+mn-ea"/>
-                <a:cs typeface="+mn-cs"/>
-                <a:sym typeface="Canela Bold"/>
-              </a:defRPr>
+              <a:defRPr b="1" sz="8400"/>
             </a:lvl3pPr>
             <a:lvl4pPr marL="0" indent="1371600" algn="ctr" defTabSz="2438400">
               <a:lnSpc>
@@ -1669,12 +1530,7 @@
               </a:spcBef>
               <a:buSzTx/>
               <a:buNone/>
-              <a:defRPr sz="8400">
-                <a:latin typeface="+mn-lt"/>
-                <a:ea typeface="+mn-ea"/>
-                <a:cs typeface="+mn-cs"/>
-                <a:sym typeface="Canela Bold"/>
-              </a:defRPr>
+              <a:defRPr b="1" sz="8400"/>
             </a:lvl4pPr>
             <a:lvl5pPr marL="0" indent="1828800" algn="ctr" defTabSz="2438400">
               <a:lnSpc>
@@ -1685,12 +1541,7 @@
               </a:spcBef>
               <a:buSzTx/>
               <a:buNone/>
-              <a:defRPr sz="8400">
-                <a:latin typeface="+mn-lt"/>
-                <a:ea typeface="+mn-ea"/>
-                <a:cs typeface="+mn-cs"/>
-                <a:sym typeface="Canela Bold"/>
-              </a:defRPr>
+              <a:defRPr b="1" sz="8400"/>
             </a:lvl5pPr>
           </a:lstStyle>
           <a:p>
@@ -1735,8 +1586,8 @@
         </p:nvSpPr>
         <p:spPr>
           <a:xfrm>
-            <a:off x="12001499" y="12700000"/>
-            <a:ext cx="388621" cy="429261"/>
+            <a:off x="12011659" y="12746350"/>
+            <a:ext cx="368301" cy="382911"/>
           </a:xfrm>
           <a:prstGeom prst="rect">
             <a:avLst/>
@@ -1868,8 +1719,8 @@
         </p:nvSpPr>
         <p:spPr>
           <a:xfrm>
-            <a:off x="12001499" y="12700000"/>
-            <a:ext cx="388621" cy="429261"/>
+            <a:off x="12011659" y="12746350"/>
+            <a:ext cx="368301" cy="382911"/>
           </a:xfrm>
           <a:prstGeom prst="rect">
             <a:avLst/>
@@ -1947,8 +1798,8 @@
         </p:nvSpPr>
         <p:spPr>
           <a:xfrm>
-            <a:off x="12001499" y="12700000"/>
-            <a:ext cx="388621" cy="429261"/>
+            <a:off x="12011659" y="12746350"/>
+            <a:ext cx="368301" cy="382911"/>
           </a:xfrm>
           <a:prstGeom prst="rect">
             <a:avLst/>
@@ -1999,8 +1850,8 @@
         </p:nvSpPr>
         <p:spPr>
           <a:xfrm>
-            <a:off x="12001499" y="12700000"/>
-            <a:ext cx="388621" cy="429261"/>
+            <a:off x="12011659" y="12746350"/>
+            <a:ext cx="368301" cy="382911"/>
           </a:xfrm>
           <a:prstGeom prst="rect">
             <a:avLst/>
@@ -2133,14 +1984,10 @@
               </a:spcBef>
               <a:buSzTx/>
               <a:buNone/>
-              <a:defRPr spc="-59" sz="6000">
+              <a:defRPr b="1" spc="-59" sz="6000">
                 <a:solidFill>
                   <a:srgbClr val="FFFFFF"/>
                 </a:solidFill>
-                <a:latin typeface="Graphik Semibold"/>
-                <a:ea typeface="Graphik Semibold"/>
-                <a:cs typeface="Graphik Semibold"/>
-                <a:sym typeface="Graphik Semibold"/>
               </a:defRPr>
             </a:lvl1pPr>
             <a:lvl2pPr marL="0" indent="457200" algn="ctr" defTabSz="825500">
@@ -2152,14 +1999,10 @@
               </a:spcBef>
               <a:buSzTx/>
               <a:buNone/>
-              <a:defRPr spc="-59" sz="6000">
+              <a:defRPr b="1" spc="-59" sz="6000">
                 <a:solidFill>
                   <a:srgbClr val="FFFFFF"/>
                 </a:solidFill>
-                <a:latin typeface="Graphik Semibold"/>
-                <a:ea typeface="Graphik Semibold"/>
-                <a:cs typeface="Graphik Semibold"/>
-                <a:sym typeface="Graphik Semibold"/>
               </a:defRPr>
             </a:lvl2pPr>
             <a:lvl3pPr marL="0" indent="914400" algn="ctr" defTabSz="825500">
@@ -2171,14 +2014,10 @@
               </a:spcBef>
               <a:buSzTx/>
               <a:buNone/>
-              <a:defRPr spc="-59" sz="6000">
+              <a:defRPr b="1" spc="-59" sz="6000">
                 <a:solidFill>
                   <a:srgbClr val="FFFFFF"/>
                 </a:solidFill>
-                <a:latin typeface="Graphik Semibold"/>
-                <a:ea typeface="Graphik Semibold"/>
-                <a:cs typeface="Graphik Semibold"/>
-                <a:sym typeface="Graphik Semibold"/>
               </a:defRPr>
             </a:lvl3pPr>
             <a:lvl4pPr marL="0" indent="1371600" algn="ctr" defTabSz="825500">
@@ -2190,14 +2029,10 @@
               </a:spcBef>
               <a:buSzTx/>
               <a:buNone/>
-              <a:defRPr spc="-59" sz="6000">
+              <a:defRPr b="1" spc="-59" sz="6000">
                 <a:solidFill>
                   <a:srgbClr val="FFFFFF"/>
                 </a:solidFill>
-                <a:latin typeface="Graphik Semibold"/>
-                <a:ea typeface="Graphik Semibold"/>
-                <a:cs typeface="Graphik Semibold"/>
-                <a:sym typeface="Graphik Semibold"/>
               </a:defRPr>
             </a:lvl4pPr>
             <a:lvl5pPr marL="0" indent="1828800" algn="ctr" defTabSz="825500">
@@ -2209,14 +2044,10 @@
               </a:spcBef>
               <a:buSzTx/>
               <a:buNone/>
-              <a:defRPr spc="-59" sz="6000">
+              <a:defRPr b="1" spc="-59" sz="6000">
                 <a:solidFill>
                   <a:srgbClr val="FFFFFF"/>
                 </a:solidFill>
-                <a:latin typeface="Graphik Semibold"/>
-                <a:ea typeface="Graphik Semibold"/>
-                <a:cs typeface="Graphik Semibold"/>
-                <a:sym typeface="Graphik Semibold"/>
               </a:defRPr>
             </a:lvl5pPr>
           </a:lstStyle>
@@ -2281,14 +2112,10 @@
               </a:spcBef>
               <a:buSzTx/>
               <a:buNone/>
-              <a:defRPr spc="-29" sz="3000">
+              <a:defRPr b="1" spc="-29" sz="3000">
                 <a:solidFill>
                   <a:srgbClr val="FFFFFF"/>
                 </a:solidFill>
-                <a:latin typeface="Graphik Medium"/>
-                <a:ea typeface="Graphik Medium"/>
-                <a:cs typeface="Graphik Medium"/>
-                <a:sym typeface="Graphik Medium"/>
               </a:defRPr>
             </a:lvl1pPr>
           </a:lstStyle>
@@ -2440,12 +2267,7 @@
               </a:spcBef>
               <a:buSzTx/>
               <a:buNone/>
-              <a:defRPr spc="-44">
-                <a:latin typeface="Graphik Semibold"/>
-                <a:ea typeface="Graphik Semibold"/>
-                <a:cs typeface="Graphik Semibold"/>
-                <a:sym typeface="Graphik Semibold"/>
-              </a:defRPr>
+              <a:defRPr b="1" spc="-44"/>
             </a:lvl1pPr>
             <a:lvl2pPr marL="0" indent="457200" algn="ctr" defTabSz="825500">
               <a:lnSpc>
@@ -2456,12 +2278,7 @@
               </a:spcBef>
               <a:buSzTx/>
               <a:buNone/>
-              <a:defRPr spc="-44">
-                <a:latin typeface="Graphik Semibold"/>
-                <a:ea typeface="Graphik Semibold"/>
-                <a:cs typeface="Graphik Semibold"/>
-                <a:sym typeface="Graphik Semibold"/>
-              </a:defRPr>
+              <a:defRPr b="1" spc="-44"/>
             </a:lvl2pPr>
             <a:lvl3pPr marL="0" indent="914400" algn="ctr" defTabSz="825500">
               <a:lnSpc>
@@ -2472,12 +2289,7 @@
               </a:spcBef>
               <a:buSzTx/>
               <a:buNone/>
-              <a:defRPr spc="-44">
-                <a:latin typeface="Graphik Semibold"/>
-                <a:ea typeface="Graphik Semibold"/>
-                <a:cs typeface="Graphik Semibold"/>
-                <a:sym typeface="Graphik Semibold"/>
-              </a:defRPr>
+              <a:defRPr b="1" spc="-44"/>
             </a:lvl3pPr>
             <a:lvl4pPr marL="0" indent="1371600" algn="ctr" defTabSz="825500">
               <a:lnSpc>
@@ -2488,12 +2300,7 @@
               </a:spcBef>
               <a:buSzTx/>
               <a:buNone/>
-              <a:defRPr spc="-44">
-                <a:latin typeface="Graphik Semibold"/>
-                <a:ea typeface="Graphik Semibold"/>
-                <a:cs typeface="Graphik Semibold"/>
-                <a:sym typeface="Graphik Semibold"/>
-              </a:defRPr>
+              <a:defRPr b="1" spc="-44"/>
             </a:lvl4pPr>
             <a:lvl5pPr marL="0" indent="1828800" algn="ctr" defTabSz="825500">
               <a:lnSpc>
@@ -2504,12 +2311,7 @@
               </a:spcBef>
               <a:buSzTx/>
               <a:buNone/>
-              <a:defRPr spc="-44">
-                <a:latin typeface="Graphik Semibold"/>
-                <a:ea typeface="Graphik Semibold"/>
-                <a:cs typeface="Graphik Semibold"/>
-                <a:sym typeface="Graphik Semibold"/>
-              </a:defRPr>
+              <a:defRPr b="1" spc="-44"/>
             </a:lvl5pPr>
           </a:lstStyle>
           <a:p>
@@ -2693,12 +2495,7 @@
               </a:spcBef>
               <a:buSzTx/>
               <a:buNone/>
-              <a:defRPr spc="-44">
-                <a:latin typeface="Graphik Semibold"/>
-                <a:ea typeface="Graphik Semibold"/>
-                <a:cs typeface="Graphik Semibold"/>
-                <a:sym typeface="Graphik Semibold"/>
-              </a:defRPr>
+              <a:defRPr b="1" spc="-44"/>
             </a:lvl1pPr>
           </a:lstStyle>
           <a:p>
@@ -2819,8 +2616,8 @@
         </p:nvSpPr>
         <p:spPr>
           <a:xfrm>
-            <a:off x="12001499" y="12700000"/>
-            <a:ext cx="388621" cy="429261"/>
+            <a:off x="12011659" y="12746350"/>
+            <a:ext cx="368301" cy="382911"/>
           </a:xfrm>
           <a:prstGeom prst="rect">
             <a:avLst/>
@@ -2945,12 +2742,7 @@
               </a:spcBef>
               <a:buSzTx/>
               <a:buNone/>
-              <a:defRPr spc="-44">
-                <a:latin typeface="Graphik Semibold"/>
-                <a:ea typeface="Graphik Semibold"/>
-                <a:cs typeface="Graphik Semibold"/>
-                <a:sym typeface="Graphik Semibold"/>
-              </a:defRPr>
+              <a:defRPr b="1" spc="-44"/>
             </a:lvl1pPr>
           </a:lstStyle>
           <a:p>
@@ -3023,8 +2815,8 @@
         </p:nvSpPr>
         <p:spPr>
           <a:xfrm>
-            <a:off x="12004039" y="12700000"/>
-            <a:ext cx="388621" cy="429261"/>
+            <a:off x="12014199" y="12746350"/>
+            <a:ext cx="368301" cy="382911"/>
           </a:xfrm>
           <a:prstGeom prst="rect">
             <a:avLst/>
@@ -3122,12 +2914,7 @@
               </a:spcBef>
               <a:buSzTx/>
               <a:buNone/>
-              <a:defRPr spc="-44">
-                <a:latin typeface="Graphik Semibold"/>
-                <a:ea typeface="Graphik Semibold"/>
-                <a:cs typeface="Graphik Semibold"/>
-                <a:sym typeface="Graphik Semibold"/>
-              </a:defRPr>
+              <a:defRPr b="1" spc="-44"/>
             </a:lvl1pPr>
           </a:lstStyle>
           <a:p>
@@ -3200,8 +2987,8 @@
         </p:nvSpPr>
         <p:spPr>
           <a:xfrm>
-            <a:off x="12004039" y="12700000"/>
-            <a:ext cx="388621" cy="429261"/>
+            <a:off x="12014199" y="12746350"/>
+            <a:ext cx="368301" cy="382911"/>
           </a:xfrm>
           <a:prstGeom prst="rect">
             <a:avLst/>
@@ -3299,12 +3086,7 @@
               </a:spcBef>
               <a:buSzTx/>
               <a:buNone/>
-              <a:defRPr spc="-44">
-                <a:latin typeface="Graphik Semibold"/>
-                <a:ea typeface="Graphik Semibold"/>
-                <a:cs typeface="Graphik Semibold"/>
-                <a:sym typeface="Graphik Semibold"/>
-              </a:defRPr>
+              <a:defRPr b="1" spc="-44"/>
             </a:lvl1pPr>
           </a:lstStyle>
           <a:p>
@@ -3377,8 +3159,8 @@
         </p:nvSpPr>
         <p:spPr>
           <a:xfrm>
-            <a:off x="12004039" y="12700000"/>
-            <a:ext cx="388621" cy="429261"/>
+            <a:off x="12014199" y="12746350"/>
+            <a:ext cx="368301" cy="382911"/>
           </a:xfrm>
           <a:prstGeom prst="rect">
             <a:avLst/>
@@ -3461,8 +3243,8 @@
         </p:nvSpPr>
         <p:spPr>
           <a:xfrm>
-            <a:off x="12001499" y="12700000"/>
-            <a:ext cx="388621" cy="429261"/>
+            <a:off x="12011659" y="12746350"/>
+            <a:ext cx="368301" cy="382911"/>
           </a:xfrm>
           <a:prstGeom prst="rect">
             <a:avLst/>
@@ -3620,8 +3402,8 @@
         </p:nvSpPr>
         <p:spPr>
           <a:xfrm>
-            <a:off x="11997689" y="12700000"/>
-            <a:ext cx="388621" cy="429261"/>
+            <a:off x="12007849" y="12746350"/>
+            <a:ext cx="368301" cy="382911"/>
           </a:xfrm>
           <a:prstGeom prst="rect">
             <a:avLst/>
@@ -3646,10 +3428,6 @@
                 <a:solidFill>
                   <a:srgbClr val="5E5E5E"/>
                 </a:solidFill>
-                <a:latin typeface="Graphik"/>
-                <a:ea typeface="Graphik"/>
-                <a:cs typeface="Graphik"/>
-                <a:sym typeface="Graphik"/>
               </a:defRPr>
             </a:lvl1pPr>
           </a:lstStyle>
@@ -3699,7 +3477,7 @@
         <a:buFontTx/>
         <a:buNone/>
         <a:tabLst/>
-        <a:defRPr b="0" baseline="0" cap="none" i="0" spc="-84" strike="noStrike" sz="8400" u="none">
+        <a:defRPr b="1" baseline="0" cap="none" i="0" spc="-84" strike="noStrike" sz="8400" u="none">
           <a:solidFill>
             <a:srgbClr val="000000"/>
           </a:solidFill>
@@ -3707,7 +3485,7 @@
           <a:latin typeface="+mn-lt"/>
           <a:ea typeface="+mn-ea"/>
           <a:cs typeface="+mn-cs"/>
-          <a:sym typeface="Canela Bold"/>
+          <a:sym typeface="Times New Roman"/>
         </a:defRPr>
       </a:lvl1pPr>
       <a:lvl2pPr marL="0" marR="0" indent="457200" algn="ctr" defTabSz="2438400" rtl="0" latinLnBrk="0">
@@ -3725,7 +3503,7 @@
         <a:buFontTx/>
         <a:buNone/>
         <a:tabLst/>
-        <a:defRPr b="0" baseline="0" cap="none" i="0" spc="-84" strike="noStrike" sz="8400" u="none">
+        <a:defRPr b="1" baseline="0" cap="none" i="0" spc="-84" strike="noStrike" sz="8400" u="none">
           <a:solidFill>
             <a:srgbClr val="000000"/>
           </a:solidFill>
@@ -3733,7 +3511,7 @@
           <a:latin typeface="+mn-lt"/>
           <a:ea typeface="+mn-ea"/>
           <a:cs typeface="+mn-cs"/>
-          <a:sym typeface="Canela Bold"/>
+          <a:sym typeface="Times New Roman"/>
         </a:defRPr>
       </a:lvl2pPr>
       <a:lvl3pPr marL="0" marR="0" indent="914400" algn="ctr" defTabSz="2438400" rtl="0" latinLnBrk="0">
@@ -3751,7 +3529,7 @@
         <a:buFontTx/>
         <a:buNone/>
         <a:tabLst/>
-        <a:defRPr b="0" baseline="0" cap="none" i="0" spc="-84" strike="noStrike" sz="8400" u="none">
+        <a:defRPr b="1" baseline="0" cap="none" i="0" spc="-84" strike="noStrike" sz="8400" u="none">
           <a:solidFill>
             <a:srgbClr val="000000"/>
           </a:solidFill>
@@ -3759,7 +3537,7 @@
           <a:latin typeface="+mn-lt"/>
           <a:ea typeface="+mn-ea"/>
           <a:cs typeface="+mn-cs"/>
-          <a:sym typeface="Canela Bold"/>
+          <a:sym typeface="Times New Roman"/>
         </a:defRPr>
       </a:lvl3pPr>
       <a:lvl4pPr marL="0" marR="0" indent="1371600" algn="ctr" defTabSz="2438400" rtl="0" latinLnBrk="0">
@@ -3777,7 +3555,7 @@
         <a:buFontTx/>
         <a:buNone/>
         <a:tabLst/>
-        <a:defRPr b="0" baseline="0" cap="none" i="0" spc="-84" strike="noStrike" sz="8400" u="none">
+        <a:defRPr b="1" baseline="0" cap="none" i="0" spc="-84" strike="noStrike" sz="8400" u="none">
           <a:solidFill>
             <a:srgbClr val="000000"/>
           </a:solidFill>
@@ -3785,7 +3563,7 @@
           <a:latin typeface="+mn-lt"/>
           <a:ea typeface="+mn-ea"/>
           <a:cs typeface="+mn-cs"/>
-          <a:sym typeface="Canela Bold"/>
+          <a:sym typeface="Times New Roman"/>
         </a:defRPr>
       </a:lvl4pPr>
       <a:lvl5pPr marL="0" marR="0" indent="1828800" algn="ctr" defTabSz="2438400" rtl="0" latinLnBrk="0">
@@ -3803,7 +3581,7 @@
         <a:buFontTx/>
         <a:buNone/>
         <a:tabLst/>
-        <a:defRPr b="0" baseline="0" cap="none" i="0" spc="-84" strike="noStrike" sz="8400" u="none">
+        <a:defRPr b="1" baseline="0" cap="none" i="0" spc="-84" strike="noStrike" sz="8400" u="none">
           <a:solidFill>
             <a:srgbClr val="000000"/>
           </a:solidFill>
@@ -3811,7 +3589,7 @@
           <a:latin typeface="+mn-lt"/>
           <a:ea typeface="+mn-ea"/>
           <a:cs typeface="+mn-cs"/>
-          <a:sym typeface="Canela Bold"/>
+          <a:sym typeface="Times New Roman"/>
         </a:defRPr>
       </a:lvl5pPr>
       <a:lvl6pPr marL="0" marR="0" indent="2286000" algn="ctr" defTabSz="2438400" rtl="0" latinLnBrk="0">
@@ -3829,7 +3607,7 @@
         <a:buFontTx/>
         <a:buNone/>
         <a:tabLst/>
-        <a:defRPr b="0" baseline="0" cap="none" i="0" spc="-84" strike="noStrike" sz="8400" u="none">
+        <a:defRPr b="1" baseline="0" cap="none" i="0" spc="-84" strike="noStrike" sz="8400" u="none">
           <a:solidFill>
             <a:srgbClr val="000000"/>
           </a:solidFill>
@@ -3837,7 +3615,7 @@
           <a:latin typeface="+mn-lt"/>
           <a:ea typeface="+mn-ea"/>
           <a:cs typeface="+mn-cs"/>
-          <a:sym typeface="Canela Bold"/>
+          <a:sym typeface="Times New Roman"/>
         </a:defRPr>
       </a:lvl6pPr>
       <a:lvl7pPr marL="0" marR="0" indent="2743200" algn="ctr" defTabSz="2438400" rtl="0" latinLnBrk="0">
@@ -3855,7 +3633,7 @@
         <a:buFontTx/>
         <a:buNone/>
         <a:tabLst/>
-        <a:defRPr b="0" baseline="0" cap="none" i="0" spc="-84" strike="noStrike" sz="8400" u="none">
+        <a:defRPr b="1" baseline="0" cap="none" i="0" spc="-84" strike="noStrike" sz="8400" u="none">
           <a:solidFill>
             <a:srgbClr val="000000"/>
           </a:solidFill>
@@ -3863,7 +3641,7 @@
           <a:latin typeface="+mn-lt"/>
           <a:ea typeface="+mn-ea"/>
           <a:cs typeface="+mn-cs"/>
-          <a:sym typeface="Canela Bold"/>
+          <a:sym typeface="Times New Roman"/>
         </a:defRPr>
       </a:lvl7pPr>
       <a:lvl8pPr marL="0" marR="0" indent="3200400" algn="ctr" defTabSz="2438400" rtl="0" latinLnBrk="0">
@@ -3881,7 +3659,7 @@
         <a:buFontTx/>
         <a:buNone/>
         <a:tabLst/>
-        <a:defRPr b="0" baseline="0" cap="none" i="0" spc="-84" strike="noStrike" sz="8400" u="none">
+        <a:defRPr b="1" baseline="0" cap="none" i="0" spc="-84" strike="noStrike" sz="8400" u="none">
           <a:solidFill>
             <a:srgbClr val="000000"/>
           </a:solidFill>
@@ -3889,7 +3667,7 @@
           <a:latin typeface="+mn-lt"/>
           <a:ea typeface="+mn-ea"/>
           <a:cs typeface="+mn-cs"/>
-          <a:sym typeface="Canela Bold"/>
+          <a:sym typeface="Times New Roman"/>
         </a:defRPr>
       </a:lvl8pPr>
       <a:lvl9pPr marL="0" marR="0" indent="3657600" algn="ctr" defTabSz="2438400" rtl="0" latinLnBrk="0">
@@ -3907,7 +3685,7 @@
         <a:buFontTx/>
         <a:buNone/>
         <a:tabLst/>
-        <a:defRPr b="0" baseline="0" cap="none" i="0" spc="-84" strike="noStrike" sz="8400" u="none">
+        <a:defRPr b="1" baseline="0" cap="none" i="0" spc="-84" strike="noStrike" sz="8400" u="none">
           <a:solidFill>
             <a:srgbClr val="000000"/>
           </a:solidFill>
@@ -3915,7 +3693,7 @@
           <a:latin typeface="+mn-lt"/>
           <a:ea typeface="+mn-ea"/>
           <a:cs typeface="+mn-cs"/>
-          <a:sym typeface="Canela Bold"/>
+          <a:sym typeface="Times New Roman"/>
         </a:defRPr>
       </a:lvl9pPr>
     </p:titleStyle>
@@ -3940,10 +3718,10 @@
             <a:srgbClr val="000000"/>
           </a:solidFill>
           <a:uFillTx/>
-          <a:latin typeface="Canela Text Regular"/>
-          <a:ea typeface="Canela Text Regular"/>
-          <a:cs typeface="Canela Text Regular"/>
-          <a:sym typeface="Canela Text Regular"/>
+          <a:latin typeface="+mn-lt"/>
+          <a:ea typeface="+mn-ea"/>
+          <a:cs typeface="+mn-cs"/>
+          <a:sym typeface="Times New Roman"/>
         </a:defRPr>
       </a:lvl1pPr>
       <a:lvl2pPr marL="1092200" marR="0" indent="-546100" algn="l" defTabSz="2438338" rtl="0" latinLnBrk="0">
@@ -3966,10 +3744,10 @@
             <a:srgbClr val="000000"/>
           </a:solidFill>
           <a:uFillTx/>
-          <a:latin typeface="Canela Text Regular"/>
-          <a:ea typeface="Canela Text Regular"/>
-          <a:cs typeface="Canela Text Regular"/>
-          <a:sym typeface="Canela Text Regular"/>
+          <a:latin typeface="+mn-lt"/>
+          <a:ea typeface="+mn-ea"/>
+          <a:cs typeface="+mn-cs"/>
+          <a:sym typeface="Times New Roman"/>
         </a:defRPr>
       </a:lvl2pPr>
       <a:lvl3pPr marL="1638300" marR="0" indent="-546100" algn="l" defTabSz="2438338" rtl="0" latinLnBrk="0">
@@ -3992,10 +3770,10 @@
             <a:srgbClr val="000000"/>
           </a:solidFill>
           <a:uFillTx/>
-          <a:latin typeface="Canela Text Regular"/>
-          <a:ea typeface="Canela Text Regular"/>
-          <a:cs typeface="Canela Text Regular"/>
-          <a:sym typeface="Canela Text Regular"/>
+          <a:latin typeface="+mn-lt"/>
+          <a:ea typeface="+mn-ea"/>
+          <a:cs typeface="+mn-cs"/>
+          <a:sym typeface="Times New Roman"/>
         </a:defRPr>
       </a:lvl3pPr>
       <a:lvl4pPr marL="2184400" marR="0" indent="-546100" algn="l" defTabSz="2438338" rtl="0" latinLnBrk="0">
@@ -4018,10 +3796,10 @@
             <a:srgbClr val="000000"/>
           </a:solidFill>
           <a:uFillTx/>
-          <a:latin typeface="Canela Text Regular"/>
-          <a:ea typeface="Canela Text Regular"/>
-          <a:cs typeface="Canela Text Regular"/>
-          <a:sym typeface="Canela Text Regular"/>
+          <a:latin typeface="+mn-lt"/>
+          <a:ea typeface="+mn-ea"/>
+          <a:cs typeface="+mn-cs"/>
+          <a:sym typeface="Times New Roman"/>
         </a:defRPr>
       </a:lvl4pPr>
       <a:lvl5pPr marL="2730500" marR="0" indent="-546100" algn="l" defTabSz="2438338" rtl="0" latinLnBrk="0">
@@ -4044,10 +3822,10 @@
             <a:srgbClr val="000000"/>
           </a:solidFill>
           <a:uFillTx/>
-          <a:latin typeface="Canela Text Regular"/>
-          <a:ea typeface="Canela Text Regular"/>
-          <a:cs typeface="Canela Text Regular"/>
-          <a:sym typeface="Canela Text Regular"/>
+          <a:latin typeface="+mn-lt"/>
+          <a:ea typeface="+mn-ea"/>
+          <a:cs typeface="+mn-cs"/>
+          <a:sym typeface="Times New Roman"/>
         </a:defRPr>
       </a:lvl5pPr>
       <a:lvl6pPr marL="3276600" marR="0" indent="-546100" algn="l" defTabSz="2438338" rtl="0" latinLnBrk="0">
@@ -4070,10 +3848,10 @@
             <a:srgbClr val="000000"/>
           </a:solidFill>
           <a:uFillTx/>
-          <a:latin typeface="Canela Text Regular"/>
-          <a:ea typeface="Canela Text Regular"/>
-          <a:cs typeface="Canela Text Regular"/>
-          <a:sym typeface="Canela Text Regular"/>
+          <a:latin typeface="+mn-lt"/>
+          <a:ea typeface="+mn-ea"/>
+          <a:cs typeface="+mn-cs"/>
+          <a:sym typeface="Times New Roman"/>
         </a:defRPr>
       </a:lvl6pPr>
       <a:lvl7pPr marL="3822700" marR="0" indent="-546100" algn="l" defTabSz="2438338" rtl="0" latinLnBrk="0">
@@ -4096,10 +3874,10 @@
             <a:srgbClr val="000000"/>
           </a:solidFill>
           <a:uFillTx/>
-          <a:latin typeface="Canela Text Regular"/>
-          <a:ea typeface="Canela Text Regular"/>
-          <a:cs typeface="Canela Text Regular"/>
-          <a:sym typeface="Canela Text Regular"/>
+          <a:latin typeface="+mn-lt"/>
+          <a:ea typeface="+mn-ea"/>
+          <a:cs typeface="+mn-cs"/>
+          <a:sym typeface="Times New Roman"/>
         </a:defRPr>
       </a:lvl7pPr>
       <a:lvl8pPr marL="4368800" marR="0" indent="-546100" algn="l" defTabSz="2438338" rtl="0" latinLnBrk="0">
@@ -4122,10 +3900,10 @@
             <a:srgbClr val="000000"/>
           </a:solidFill>
           <a:uFillTx/>
-          <a:latin typeface="Canela Text Regular"/>
-          <a:ea typeface="Canela Text Regular"/>
-          <a:cs typeface="Canela Text Regular"/>
-          <a:sym typeface="Canela Text Regular"/>
+          <a:latin typeface="+mn-lt"/>
+          <a:ea typeface="+mn-ea"/>
+          <a:cs typeface="+mn-cs"/>
+          <a:sym typeface="Times New Roman"/>
         </a:defRPr>
       </a:lvl8pPr>
       <a:lvl9pPr marL="4914900" marR="0" indent="-546100" algn="l" defTabSz="2438338" rtl="0" latinLnBrk="0">
@@ -4148,10 +3926,10 @@
             <a:srgbClr val="000000"/>
           </a:solidFill>
           <a:uFillTx/>
-          <a:latin typeface="Canela Text Regular"/>
-          <a:ea typeface="Canela Text Regular"/>
-          <a:cs typeface="Canela Text Regular"/>
-          <a:sym typeface="Canela Text Regular"/>
+          <a:latin typeface="+mn-lt"/>
+          <a:ea typeface="+mn-ea"/>
+          <a:cs typeface="+mn-cs"/>
+          <a:sym typeface="Times New Roman"/>
         </a:defRPr>
       </a:lvl9pPr>
     </p:bodyStyle>
@@ -4179,7 +3957,7 @@
           <a:latin typeface="+mn-lt"/>
           <a:ea typeface="+mn-ea"/>
           <a:cs typeface="+mn-cs"/>
-          <a:sym typeface="Graphik"/>
+          <a:sym typeface="Times New Roman"/>
         </a:defRPr>
       </a:lvl1pPr>
       <a:lvl2pPr marL="0" marR="0" indent="457200" algn="ctr" defTabSz="584200" rtl="0" latinLnBrk="0">
@@ -4205,7 +3983,7 @@
           <a:latin typeface="+mn-lt"/>
           <a:ea typeface="+mn-ea"/>
           <a:cs typeface="+mn-cs"/>
-          <a:sym typeface="Graphik"/>
+          <a:sym typeface="Times New Roman"/>
         </a:defRPr>
       </a:lvl2pPr>
       <a:lvl3pPr marL="0" marR="0" indent="914400" algn="ctr" defTabSz="584200" rtl="0" latinLnBrk="0">
@@ -4231,7 +4009,7 @@
           <a:latin typeface="+mn-lt"/>
           <a:ea typeface="+mn-ea"/>
           <a:cs typeface="+mn-cs"/>
-          <a:sym typeface="Graphik"/>
+          <a:sym typeface="Times New Roman"/>
         </a:defRPr>
       </a:lvl3pPr>
       <a:lvl4pPr marL="0" marR="0" indent="1371600" algn="ctr" defTabSz="584200" rtl="0" latinLnBrk="0">
@@ -4257,7 +4035,7 @@
           <a:latin typeface="+mn-lt"/>
           <a:ea typeface="+mn-ea"/>
           <a:cs typeface="+mn-cs"/>
-          <a:sym typeface="Graphik"/>
+          <a:sym typeface="Times New Roman"/>
         </a:defRPr>
       </a:lvl4pPr>
       <a:lvl5pPr marL="0" marR="0" indent="1828800" algn="ctr" defTabSz="584200" rtl="0" latinLnBrk="0">
@@ -4283,7 +4061,7 @@
           <a:latin typeface="+mn-lt"/>
           <a:ea typeface="+mn-ea"/>
           <a:cs typeface="+mn-cs"/>
-          <a:sym typeface="Graphik"/>
+          <a:sym typeface="Times New Roman"/>
         </a:defRPr>
       </a:lvl5pPr>
       <a:lvl6pPr marL="0" marR="0" indent="2286000" algn="ctr" defTabSz="584200" rtl="0" latinLnBrk="0">
@@ -4309,7 +4087,7 @@
           <a:latin typeface="+mn-lt"/>
           <a:ea typeface="+mn-ea"/>
           <a:cs typeface="+mn-cs"/>
-          <a:sym typeface="Graphik"/>
+          <a:sym typeface="Times New Roman"/>
         </a:defRPr>
       </a:lvl6pPr>
       <a:lvl7pPr marL="0" marR="0" indent="2743200" algn="ctr" defTabSz="584200" rtl="0" latinLnBrk="0">
@@ -4335,7 +4113,7 @@
           <a:latin typeface="+mn-lt"/>
           <a:ea typeface="+mn-ea"/>
           <a:cs typeface="+mn-cs"/>
-          <a:sym typeface="Graphik"/>
+          <a:sym typeface="Times New Roman"/>
         </a:defRPr>
       </a:lvl7pPr>
       <a:lvl8pPr marL="0" marR="0" indent="3200400" algn="ctr" defTabSz="584200" rtl="0" latinLnBrk="0">
@@ -4361,7 +4139,7 @@
           <a:latin typeface="+mn-lt"/>
           <a:ea typeface="+mn-ea"/>
           <a:cs typeface="+mn-cs"/>
-          <a:sym typeface="Graphik"/>
+          <a:sym typeface="Times New Roman"/>
         </a:defRPr>
       </a:lvl8pPr>
       <a:lvl9pPr marL="0" marR="0" indent="3657600" algn="ctr" defTabSz="584200" rtl="0" latinLnBrk="0">
@@ -4387,7 +4165,7 @@
           <a:latin typeface="+mn-lt"/>
           <a:ea typeface="+mn-ea"/>
           <a:cs typeface="+mn-cs"/>
-          <a:sym typeface="Graphik"/>
+          <a:sym typeface="Times New Roman"/>
         </a:defRPr>
       </a:lvl9pPr>
     </p:otherStyle>
@@ -4453,8 +4231,8 @@
         <p:txBody>
           <a:bodyPr/>
           <a:lstStyle>
-            <a:lvl1pPr defTabSz="1926336">
-              <a:defRPr spc="-101" sz="10112"/>
+            <a:lvl1pPr defTabSz="2097023">
+              <a:defRPr spc="-110" sz="11008"/>
             </a:lvl1pPr>
           </a:lstStyle>
           <a:p>
@@ -4475,8 +4253,8 @@
         </p:nvSpPr>
         <p:spPr>
           <a:xfrm>
-            <a:off x="1219199" y="7792835"/>
-            <a:ext cx="21945601" cy="2974537"/>
+            <a:off x="1219200" y="7792835"/>
+            <a:ext cx="21945600" cy="2974537"/>
           </a:xfrm>
           <a:prstGeom prst="rect">
             <a:avLst/>
@@ -4486,40 +4264,40 @@
           <a:bodyPr/>
           <a:lstStyle/>
           <a:p>
-            <a:pPr defTabSz="387984">
-              <a:defRPr spc="-28" sz="2820"/>
+            <a:pPr defTabSz="454025">
+              <a:defRPr spc="-33" sz="3300"/>
             </a:pPr>
             <a:r>
               <a:t>Individual Project</a:t>
             </a:r>
           </a:p>
           <a:p>
-            <a:pPr defTabSz="387984">
-              <a:defRPr spc="-28" sz="2820"/>
+            <a:pPr defTabSz="454025">
+              <a:defRPr spc="-33" sz="3300"/>
             </a:pPr>
             <a:r>
               <a:t>Dr. Peter nauth</a:t>
             </a:r>
           </a:p>
           <a:p>
-            <a:pPr defTabSz="387984">
-              <a:defRPr spc="-28" sz="2820"/>
+            <a:pPr defTabSz="454025">
+              <a:defRPr spc="-33" sz="3300"/>
             </a:pPr>
             <a:r>
               <a:t>M.Engg. in Information Technology</a:t>
             </a:r>
           </a:p>
           <a:p>
-            <a:pPr defTabSz="387984">
-              <a:defRPr spc="-28" sz="2820"/>
+            <a:pPr defTabSz="454025">
+              <a:defRPr spc="-33" sz="3300"/>
             </a:pPr>
             <a:r>
               <a:t>By</a:t>
             </a:r>
           </a:p>
           <a:p>
-            <a:pPr defTabSz="387984">
-              <a:defRPr spc="-28" sz="2820"/>
+            <a:pPr defTabSz="454025">
+              <a:defRPr spc="-33" sz="3300"/>
             </a:pPr>
             <a:r>
               <a:t>Kushal Prakash 1429800</a:t>
@@ -4566,8 +4344,8 @@
         </p:nvSpPr>
         <p:spPr>
           <a:xfrm>
-            <a:off x="12087986" y="12700000"/>
-            <a:ext cx="215647" cy="429261"/>
+            <a:off x="12075159" y="12746350"/>
+            <a:ext cx="241301" cy="382911"/>
           </a:xfrm>
           <a:prstGeom prst="rect">
             <a:avLst/>
@@ -4615,7 +4393,7 @@
       </p:grpSpPr>
       <p:sp>
         <p:nvSpPr>
-          <p:cNvPr id="232" name="Question??"/>
+          <p:cNvPr id="232" name="Demo"/>
           <p:cNvSpPr txBox="1"/>
           <p:nvPr>
             <p:ph type="title"/>
@@ -4632,45 +4410,14 @@
           <a:p>
             <a:pPr/>
             <a:r>
-              <a:t>Question??</a:t>
-            </a:r>
-          </a:p>
-        </p:txBody>
-      </p:sp>
-      <p:sp>
-        <p:nvSpPr>
-          <p:cNvPr id="233" name="Slide Number"/>
-          <p:cNvSpPr txBox="1"/>
-          <p:nvPr>
-            <p:ph type="sldNum" sz="quarter" idx="4294967295"/>
-          </p:nvPr>
-        </p:nvSpPr>
-        <p:spPr>
-          <a:xfrm>
-            <a:off x="12001499" y="12700000"/>
-            <a:ext cx="388621" cy="429261"/>
-          </a:xfrm>
-          <a:prstGeom prst="rect">
-            <a:avLst/>
-          </a:prstGeom>
-          <a:extLst>
-            <a:ext uri="{C572A759-6A51-4108-AA02-DFA0A04FC94B}">
-              <ma14:wrappingTextBoxFlag xmlns:ma14="http://schemas.microsoft.com/office/mac/drawingml/2011/main" val="1"/>
-            </a:ext>
-          </a:extLst>
-        </p:spPr>
-        <p:txBody>
-          <a:bodyPr/>
-          <a:lstStyle/>
-          <a:p>
-            <a:pPr/>
-            <a:fld id="{86CB4B4D-7CA3-9044-876B-883B54F8677D}" type="slidenum"/>
+              <a:t>Demo</a:t>
+            </a:r>
           </a:p>
         </p:txBody>
       </p:sp>
       <p:pic>
         <p:nvPicPr>
-          <p:cNvPr id="234" name="Google Shape;56;p13" descr="Google Shape;56;p13"/>
+          <p:cNvPr id="233" name="Google Shape;56;p13" descr="Google Shape;56;p13"/>
           <p:cNvPicPr>
             <a:picLocks noChangeAspect="1"/>
           </p:cNvPicPr>
@@ -4697,6 +4444,37 @@
           </a:ln>
         </p:spPr>
       </p:pic>
+      <p:sp>
+        <p:nvSpPr>
+          <p:cNvPr id="234" name="Slide Number"/>
+          <p:cNvSpPr txBox="1"/>
+          <p:nvPr>
+            <p:ph type="sldNum" sz="quarter" idx="4294967295"/>
+          </p:nvPr>
+        </p:nvSpPr>
+        <p:spPr>
+          <a:xfrm>
+            <a:off x="12011659" y="12746350"/>
+            <a:ext cx="368301" cy="382911"/>
+          </a:xfrm>
+          <a:prstGeom prst="rect">
+            <a:avLst/>
+          </a:prstGeom>
+          <a:extLst>
+            <a:ext uri="{C572A759-6A51-4108-AA02-DFA0A04FC94B}">
+              <ma14:wrappingTextBoxFlag xmlns:ma14="http://schemas.microsoft.com/office/mac/drawingml/2011/main" val="1"/>
+            </a:ext>
+          </a:extLst>
+        </p:spPr>
+        <p:txBody>
+          <a:bodyPr/>
+          <a:lstStyle/>
+          <a:p>
+            <a:pPr/>
+            <a:fld id="{86CB4B4D-7CA3-9044-876B-883B54F8677D}" type="slidenum"/>
+          </a:p>
+        </p:txBody>
+      </p:sp>
     </p:spTree>
   </p:cSld>
   <p:clrMapOvr>
@@ -4725,7 +4503,7 @@
       </p:grpSpPr>
       <p:sp>
         <p:nvSpPr>
-          <p:cNvPr id="236" name="Thank you!!!"/>
+          <p:cNvPr id="236" name="Question??"/>
           <p:cNvSpPr txBox="1"/>
           <p:nvPr>
             <p:ph type="title"/>
@@ -4742,7 +4520,7 @@
           <a:p>
             <a:pPr/>
             <a:r>
-              <a:t>Thank you!!!</a:t>
+              <a:t>Question??</a:t>
             </a:r>
           </a:p>
         </p:txBody>
@@ -4757,8 +4535,8 @@
         </p:nvSpPr>
         <p:spPr>
           <a:xfrm>
-            <a:off x="12037313" y="12700000"/>
-            <a:ext cx="316993" cy="429261"/>
+            <a:off x="12016372" y="12746350"/>
+            <a:ext cx="358875" cy="382911"/>
           </a:xfrm>
           <a:prstGeom prst="rect">
             <a:avLst/>
@@ -4781,6 +4559,116 @@
       <p:pic>
         <p:nvPicPr>
           <p:cNvPr id="238" name="Google Shape;56;p13" descr="Google Shape;56;p13"/>
+          <p:cNvPicPr>
+            <a:picLocks noChangeAspect="1"/>
+          </p:cNvPicPr>
+          <p:nvPr/>
+        </p:nvPicPr>
+        <p:blipFill>
+          <a:blip r:embed="rId2">
+            <a:extLst/>
+          </a:blip>
+          <a:stretch>
+            <a:fillRect/>
+          </a:stretch>
+        </p:blipFill>
+        <p:spPr>
+          <a:xfrm>
+            <a:off x="21448075" y="12291670"/>
+            <a:ext cx="2883631" cy="1298944"/>
+          </a:xfrm>
+          <a:prstGeom prst="rect">
+            <a:avLst/>
+          </a:prstGeom>
+          <a:ln w="12700">
+            <a:miter lim="400000"/>
+          </a:ln>
+        </p:spPr>
+      </p:pic>
+    </p:spTree>
+  </p:cSld>
+  <p:clrMapOvr>
+    <a:masterClrMapping/>
+  </p:clrMapOvr>
+  <p:transition xmlns:p14="http://schemas.microsoft.com/office/powerpoint/2010/main" spd="med" advClick="1"/>
+</p:sld>
+</file>
+
+<file path=ppt/slides/slide12.xml><?xml version="1.0" encoding="utf-8"?>
+<p:sld xmlns:a="http://schemas.openxmlformats.org/drawingml/2006/main" xmlns:r="http://schemas.openxmlformats.org/officeDocument/2006/relationships" xmlns:p="http://schemas.openxmlformats.org/presentationml/2006/main" xmlns:m="http://schemas.openxmlformats.org/officeDocument/2006/math" xmlns:a14="http://schemas.microsoft.com/office/drawing/2010/main" showMasterSp="1" showMasterPhAnim="1">
+  <p:cSld>
+    <p:spTree>
+      <p:nvGrpSpPr>
+        <p:cNvPr id="1" name=""/>
+        <p:cNvGrpSpPr/>
+        <p:nvPr/>
+      </p:nvGrpSpPr>
+      <p:grpSpPr>
+        <a:xfrm>
+          <a:off x="0" y="0"/>
+          <a:ext cx="0" cy="0"/>
+          <a:chOff x="0" y="0"/>
+          <a:chExt cx="0" cy="0"/>
+        </a:xfrm>
+      </p:grpSpPr>
+      <p:sp>
+        <p:nvSpPr>
+          <p:cNvPr id="240" name="Thank you!!!"/>
+          <p:cNvSpPr txBox="1"/>
+          <p:nvPr>
+            <p:ph type="title"/>
+          </p:nvPr>
+        </p:nvSpPr>
+        <p:spPr>
+          <a:prstGeom prst="rect">
+            <a:avLst/>
+          </a:prstGeom>
+        </p:spPr>
+        <p:txBody>
+          <a:bodyPr/>
+          <a:lstStyle/>
+          <a:p>
+            <a:pPr/>
+            <a:r>
+              <a:t>Thank you!!!</a:t>
+            </a:r>
+          </a:p>
+        </p:txBody>
+      </p:sp>
+      <p:sp>
+        <p:nvSpPr>
+          <p:cNvPr id="241" name="Slide Number"/>
+          <p:cNvSpPr txBox="1"/>
+          <p:nvPr>
+            <p:ph type="sldNum" sz="quarter" idx="4294967295"/>
+          </p:nvPr>
+        </p:nvSpPr>
+        <p:spPr>
+          <a:xfrm>
+            <a:off x="12011659" y="12746350"/>
+            <a:ext cx="368301" cy="382911"/>
+          </a:xfrm>
+          <a:prstGeom prst="rect">
+            <a:avLst/>
+          </a:prstGeom>
+          <a:extLst>
+            <a:ext uri="{C572A759-6A51-4108-AA02-DFA0A04FC94B}">
+              <ma14:wrappingTextBoxFlag xmlns:ma14="http://schemas.microsoft.com/office/mac/drawingml/2011/main" val="1"/>
+            </a:ext>
+          </a:extLst>
+        </p:spPr>
+        <p:txBody>
+          <a:bodyPr/>
+          <a:lstStyle/>
+          <a:p>
+            <a:pPr/>
+            <a:fld id="{86CB4B4D-7CA3-9044-876B-883B54F8677D}" type="slidenum"/>
+          </a:p>
+        </p:txBody>
+      </p:sp>
+      <p:pic>
+        <p:nvPicPr>
+          <p:cNvPr id="242" name="Google Shape;56;p13" descr="Google Shape;56;p13"/>
           <p:cNvPicPr>
             <a:picLocks noChangeAspect="1"/>
           </p:cNvPicPr>
@@ -4971,8 +4859,8 @@
         </p:nvSpPr>
         <p:spPr>
           <a:xfrm>
-            <a:off x="12064491" y="12700000"/>
-            <a:ext cx="255017" cy="429261"/>
+            <a:off x="12071349" y="12746350"/>
+            <a:ext cx="241301" cy="382911"/>
           </a:xfrm>
           <a:prstGeom prst="rect">
             <a:avLst/>
@@ -5109,8 +4997,8 @@
         </p:nvSpPr>
         <p:spPr>
           <a:xfrm>
-            <a:off x="12058141" y="12700000"/>
-            <a:ext cx="267717" cy="429261"/>
+            <a:off x="12071349" y="12746350"/>
+            <a:ext cx="241301" cy="382911"/>
           </a:xfrm>
           <a:prstGeom prst="rect">
             <a:avLst/>
@@ -5200,11 +5088,7 @@
         </p:spPr>
         <p:txBody>
           <a:bodyPr/>
-          <a:lstStyle>
-            <a:lvl1pPr defTabSz="2267711">
-              <a:defRPr spc="-78" sz="7812"/>
-            </a:lvl1pPr>
-          </a:lstStyle>
+          <a:lstStyle/>
           <a:p>
             <a:pPr/>
             <a:r>
@@ -5234,8 +5118,8 @@
         </p:blipFill>
         <p:spPr>
           <a:xfrm>
-            <a:off x="12192644" y="4744271"/>
-            <a:ext cx="10922001" cy="4227458"/>
+            <a:off x="12192645" y="4744271"/>
+            <a:ext cx="10922000" cy="4227458"/>
           </a:xfrm>
           <a:prstGeom prst="rect">
             <a:avLst/>
@@ -5251,7 +5135,7 @@
         <p:spPr>
           <a:xfrm>
             <a:off x="12192644" y="12547600"/>
-            <a:ext cx="10922002" cy="555753"/>
+            <a:ext cx="10922002" cy="431552"/>
           </a:xfrm>
           <a:prstGeom prst="roundRect">
             <a:avLst>
@@ -5358,8 +5242,8 @@
         </p:nvSpPr>
         <p:spPr>
           <a:xfrm>
-            <a:off x="12062841" y="12700000"/>
-            <a:ext cx="271019" cy="429261"/>
+            <a:off x="12077699" y="12746350"/>
+            <a:ext cx="241301" cy="382911"/>
           </a:xfrm>
           <a:prstGeom prst="rect">
             <a:avLst/>
@@ -5449,11 +5333,7 @@
         </p:spPr>
         <p:txBody>
           <a:bodyPr/>
-          <a:lstStyle>
-            <a:lvl1pPr defTabSz="2267711">
-              <a:defRPr spc="-78" sz="7812"/>
-            </a:lvl1pPr>
-          </a:lstStyle>
+          <a:lstStyle/>
           <a:p>
             <a:pPr/>
             <a:r>
@@ -5500,7 +5380,7 @@
         <p:spPr>
           <a:xfrm>
             <a:off x="12192644" y="12547600"/>
-            <a:ext cx="10922002" cy="555753"/>
+            <a:ext cx="10922002" cy="431552"/>
           </a:xfrm>
           <a:prstGeom prst="roundRect">
             <a:avLst>
@@ -5595,8 +5475,8 @@
         </p:nvSpPr>
         <p:spPr>
           <a:xfrm>
-            <a:off x="12066651" y="12700000"/>
-            <a:ext cx="263399" cy="429261"/>
+            <a:off x="12077699" y="12746350"/>
+            <a:ext cx="241301" cy="382911"/>
           </a:xfrm>
           <a:prstGeom prst="rect">
             <a:avLst/>
@@ -5686,11 +5566,7 @@
         </p:spPr>
         <p:txBody>
           <a:bodyPr/>
-          <a:lstStyle>
-            <a:lvl1pPr defTabSz="2267711">
-              <a:defRPr spc="-78" sz="7812"/>
-            </a:lvl1pPr>
-          </a:lstStyle>
+          <a:lstStyle/>
           <a:p>
             <a:pPr/>
             <a:r>
@@ -5720,8 +5596,8 @@
         </p:blipFill>
         <p:spPr>
           <a:xfrm>
-            <a:off x="12192644" y="4617589"/>
-            <a:ext cx="10922001" cy="4480822"/>
+            <a:off x="12192645" y="4617589"/>
+            <a:ext cx="10922000" cy="4480822"/>
           </a:xfrm>
           <a:prstGeom prst="rect">
             <a:avLst/>
@@ -5737,7 +5613,7 @@
         <p:spPr>
           <a:xfrm>
             <a:off x="12192644" y="12547600"/>
-            <a:ext cx="10922002" cy="555753"/>
+            <a:ext cx="10922002" cy="431552"/>
           </a:xfrm>
           <a:prstGeom prst="roundRect">
             <a:avLst>
@@ -5838,8 +5714,8 @@
         </p:nvSpPr>
         <p:spPr>
           <a:xfrm>
-            <a:off x="12062587" y="12700000"/>
-            <a:ext cx="271527" cy="429261"/>
+            <a:off x="12077699" y="12746350"/>
+            <a:ext cx="241301" cy="382911"/>
           </a:xfrm>
           <a:prstGeom prst="rect">
             <a:avLst/>
@@ -5929,11 +5805,7 @@
         </p:spPr>
         <p:txBody>
           <a:bodyPr/>
-          <a:lstStyle>
-            <a:lvl1pPr defTabSz="2267711">
-              <a:defRPr spc="-78" sz="7812"/>
-            </a:lvl1pPr>
-          </a:lstStyle>
+          <a:lstStyle/>
           <a:p>
             <a:pPr/>
             <a:r>
@@ -5963,8 +5835,8 @@
         </p:blipFill>
         <p:spPr>
           <a:xfrm>
-            <a:off x="12192644" y="4123199"/>
-            <a:ext cx="10922001" cy="5469602"/>
+            <a:off x="12192645" y="4123199"/>
+            <a:ext cx="10922000" cy="5469602"/>
           </a:xfrm>
           <a:prstGeom prst="rect">
             <a:avLst/>
@@ -5980,7 +5852,7 @@
         <p:spPr>
           <a:xfrm>
             <a:off x="12192644" y="12547600"/>
-            <a:ext cx="10922002" cy="555753"/>
+            <a:ext cx="10922002" cy="431552"/>
           </a:xfrm>
           <a:prstGeom prst="roundRect">
             <a:avLst>
@@ -6081,8 +5953,8 @@
         </p:nvSpPr>
         <p:spPr>
           <a:xfrm>
-            <a:off x="12074524" y="12700000"/>
-            <a:ext cx="247651" cy="429261"/>
+            <a:off x="12077699" y="12746350"/>
+            <a:ext cx="241301" cy="382911"/>
           </a:xfrm>
           <a:prstGeom prst="rect">
             <a:avLst/>
@@ -6172,11 +6044,7 @@
         </p:spPr>
         <p:txBody>
           <a:bodyPr/>
-          <a:lstStyle>
-            <a:lvl1pPr defTabSz="2267711">
-              <a:defRPr spc="-78" sz="7812"/>
-            </a:lvl1pPr>
-          </a:lstStyle>
+          <a:lstStyle/>
           <a:p>
             <a:pPr/>
             <a:r>
@@ -6206,8 +6074,8 @@
         </p:blipFill>
         <p:spPr>
           <a:xfrm>
-            <a:off x="12194575" y="2429206"/>
-            <a:ext cx="10922001" cy="6980452"/>
+            <a:off x="12194575" y="2429205"/>
+            <a:ext cx="10922001" cy="6980453"/>
           </a:xfrm>
           <a:prstGeom prst="rect">
             <a:avLst/>
@@ -6223,7 +6091,7 @@
         <p:spPr>
           <a:xfrm>
             <a:off x="12194574" y="11609031"/>
-            <a:ext cx="10922002" cy="555753"/>
+            <a:ext cx="10922002" cy="431553"/>
           </a:xfrm>
           <a:prstGeom prst="roundRect">
             <a:avLst>
@@ -6365,7 +6233,7 @@
       </p:grpSpPr>
       <p:sp>
         <p:nvSpPr>
-          <p:cNvPr id="228" name="Demo"/>
+          <p:cNvPr id="228" name="GitHub repo link:…"/>
           <p:cNvSpPr txBox="1"/>
           <p:nvPr>
             <p:ph type="title"/>
@@ -6382,7 +6250,15 @@
           <a:p>
             <a:pPr/>
             <a:r>
-              <a:t>Demo</a:t>
+              <a:t>GitHub repo link: </a:t>
+            </a:r>
+          </a:p>
+          <a:p>
+            <a:pPr>
+              <a:defRPr b="0" sz="10700"/>
+            </a:pPr>
+            <a:r>
+              <a:t>https://github.com/kushalprakash6/ObjectDetectionAndTracking</a:t>
             </a:r>
           </a:p>
         </p:txBody>
@@ -6405,7 +6281,7 @@
         </p:blipFill>
         <p:spPr>
           <a:xfrm>
-            <a:off x="21448075" y="12291670"/>
+            <a:off x="21448075" y="12304370"/>
             <a:ext cx="2883631" cy="1298944"/>
           </a:xfrm>
           <a:prstGeom prst="rect">
@@ -6426,8 +6302,8 @@
         </p:nvSpPr>
         <p:spPr>
           <a:xfrm>
-            <a:off x="12059919" y="12700000"/>
-            <a:ext cx="271781" cy="429261"/>
+            <a:off x="12075159" y="12746350"/>
+            <a:ext cx="241301" cy="382911"/>
           </a:xfrm>
           <a:prstGeom prst="rect">
             <a:avLst/>
@@ -6499,14 +6375,14 @@
     </a:clrScheme>
     <a:fontScheme name="23_ClassicWhite">
       <a:majorFont>
-        <a:latin typeface="Canela Bold"/>
-        <a:ea typeface="Canela Bold"/>
-        <a:cs typeface="Canela Bold"/>
+        <a:latin typeface="Times New Roman"/>
+        <a:ea typeface="Times New Roman"/>
+        <a:cs typeface="Times New Roman"/>
       </a:majorFont>
       <a:minorFont>
-        <a:latin typeface="Canela Bold"/>
-        <a:ea typeface="Canela Bold"/>
-        <a:cs typeface="Canela Bold"/>
+        <a:latin typeface="Times New Roman"/>
+        <a:ea typeface="Times New Roman"/>
+        <a:cs typeface="Times New Roman"/>
       </a:minorFont>
     </a:fontScheme>
     <a:fmtScheme name="23_ClassicWhite">
@@ -6684,10 +6560,10 @@
             </a:solidFill>
             <a:effectLst/>
             <a:uFillTx/>
-            <a:latin typeface="Graphik"/>
-            <a:ea typeface="Graphik"/>
-            <a:cs typeface="Graphik"/>
-            <a:sym typeface="Graphik"/>
+            <a:latin typeface="+mn-lt"/>
+            <a:ea typeface="+mn-ea"/>
+            <a:cs typeface="+mn-cs"/>
+            <a:sym typeface="Times New Roman"/>
           </a:defRPr>
         </a:defPPr>
         <a:lvl1pPr marL="0" marR="0" indent="0" algn="l" defTabSz="914400" rtl="0" fontAlgn="auto" latinLnBrk="1" hangingPunct="0">
@@ -7255,10 +7131,10 @@
             </a:solidFill>
             <a:effectLst/>
             <a:uFillTx/>
-            <a:latin typeface="Canela Text Regular"/>
-            <a:ea typeface="Canela Text Regular"/>
-            <a:cs typeface="Canela Text Regular"/>
-            <a:sym typeface="Canela Text Regular"/>
+            <a:latin typeface="+mn-lt"/>
+            <a:ea typeface="+mn-ea"/>
+            <a:cs typeface="+mn-cs"/>
+            <a:sym typeface="Times New Roman"/>
           </a:defRPr>
         </a:defPPr>
         <a:lvl1pPr marL="0" marR="0" indent="0" algn="l" defTabSz="914400" rtl="0" fontAlgn="auto" latinLnBrk="1" hangingPunct="0">
@@ -7550,14 +7426,14 @@
     </a:clrScheme>
     <a:fontScheme name="23_ClassicWhite">
       <a:majorFont>
-        <a:latin typeface="Canela Bold"/>
-        <a:ea typeface="Canela Bold"/>
-        <a:cs typeface="Canela Bold"/>
+        <a:latin typeface="Times New Roman"/>
+        <a:ea typeface="Times New Roman"/>
+        <a:cs typeface="Times New Roman"/>
       </a:majorFont>
       <a:minorFont>
-        <a:latin typeface="Canela Bold"/>
-        <a:ea typeface="Canela Bold"/>
-        <a:cs typeface="Canela Bold"/>
+        <a:latin typeface="Times New Roman"/>
+        <a:ea typeface="Times New Roman"/>
+        <a:cs typeface="Times New Roman"/>
       </a:minorFont>
     </a:fontScheme>
     <a:fmtScheme name="23_ClassicWhite">
@@ -7735,10 +7611,10 @@
             </a:solidFill>
             <a:effectLst/>
             <a:uFillTx/>
-            <a:latin typeface="Graphik"/>
-            <a:ea typeface="Graphik"/>
-            <a:cs typeface="Graphik"/>
-            <a:sym typeface="Graphik"/>
+            <a:latin typeface="+mn-lt"/>
+            <a:ea typeface="+mn-ea"/>
+            <a:cs typeface="+mn-cs"/>
+            <a:sym typeface="Times New Roman"/>
           </a:defRPr>
         </a:defPPr>
         <a:lvl1pPr marL="0" marR="0" indent="0" algn="l" defTabSz="914400" rtl="0" fontAlgn="auto" latinLnBrk="1" hangingPunct="0">
@@ -8306,10 +8182,10 @@
             </a:solidFill>
             <a:effectLst/>
             <a:uFillTx/>
-            <a:latin typeface="Canela Text Regular"/>
-            <a:ea typeface="Canela Text Regular"/>
-            <a:cs typeface="Canela Text Regular"/>
-            <a:sym typeface="Canela Text Regular"/>
+            <a:latin typeface="+mn-lt"/>
+            <a:ea typeface="+mn-ea"/>
+            <a:cs typeface="+mn-cs"/>
+            <a:sym typeface="Times New Roman"/>
           </a:defRPr>
         </a:defPPr>
         <a:lvl1pPr marL="0" marR="0" indent="0" algn="l" defTabSz="914400" rtl="0" fontAlgn="auto" latinLnBrk="1" hangingPunct="0">

--- a/documents/Presentation.pptx
+++ b/documents/Presentation.pptx
@@ -20,6 +20,9 @@
     <p:sldId id="265" r:id="rId17"/>
     <p:sldId id="266" r:id="rId18"/>
     <p:sldId id="267" r:id="rId19"/>
+    <p:sldId id="268" r:id="rId20"/>
+    <p:sldId id="269" r:id="rId21"/>
+    <p:sldId id="270" r:id="rId22"/>
   </p:sldIdLst>
   <p:sldSz cx="24384000" cy="13716000"/>
   <p:notesSz cx="6858000" cy="9144000"/>
@@ -4393,7 +4396,7 @@
       </p:grpSpPr>
       <p:sp>
         <p:nvSpPr>
-          <p:cNvPr id="232" name="Demo"/>
+          <p:cNvPr id="237" name="Results"/>
           <p:cNvSpPr txBox="1"/>
           <p:nvPr>
             <p:ph type="title"/>
@@ -4410,21 +4413,181 @@
           <a:p>
             <a:pPr/>
             <a:r>
-              <a:t>Demo</a:t>
+              <a:t>Results</a:t>
             </a:r>
           </a:p>
         </p:txBody>
       </p:sp>
       <p:pic>
         <p:nvPicPr>
-          <p:cNvPr id="233" name="Google Shape;56;p13" descr="Google Shape;56;p13"/>
+          <p:cNvPr id="238" name="Sea against sky at sunset" descr="Sea against sky at sunset"/>
+          <p:cNvPicPr>
+            <a:picLocks noChangeAspect="1"/>
+          </p:cNvPicPr>
+          <p:nvPr>
+            <p:ph type="pic" idx="21"/>
+          </p:nvPr>
+        </p:nvPicPr>
+        <p:blipFill>
+          <a:blip r:embed="rId2">
+            <a:extLst/>
+          </a:blip>
+          <a:srcRect l="0" t="0" r="0" b="0"/>
+          <a:stretch>
+            <a:fillRect/>
+          </a:stretch>
+        </p:blipFill>
+        <p:spPr>
+          <a:xfrm>
+            <a:off x="12192645" y="4123199"/>
+            <a:ext cx="10922000" cy="5469602"/>
+          </a:xfrm>
+          <a:prstGeom prst="rect">
+            <a:avLst/>
+          </a:prstGeom>
+        </p:spPr>
+      </p:pic>
+      <p:sp>
+        <p:nvSpPr>
+          <p:cNvPr id="239" name="Figure 7: Metrics graph of the Yolo training"/>
+          <p:cNvSpPr/>
+          <p:nvPr/>
+        </p:nvSpPr>
+        <p:spPr>
+          <a:xfrm>
+            <a:off x="12192644" y="12547600"/>
+            <a:ext cx="10922002" cy="431552"/>
+          </a:xfrm>
+          <a:prstGeom prst="roundRect">
+            <a:avLst>
+              <a:gd name="adj" fmla="val 0"/>
+            </a:avLst>
+          </a:prstGeom>
+          <a:ln w="12700">
+            <a:miter lim="400000"/>
+          </a:ln>
+          <a:extLst>
+            <a:ext uri="{C572A759-6A51-4108-AA02-DFA0A04FC94B}">
+              <ma14:wrappingTextBoxFlag xmlns:ma14="http://schemas.microsoft.com/office/mac/drawingml/2011/main" val="1"/>
+            </a:ext>
+          </a:extLst>
+        </p:spPr>
+        <p:txBody>
+          <a:bodyPr lIns="50800" tIns="50800" rIns="50800" bIns="50800" anchor="ctr"/>
+          <a:lstStyle>
+            <a:lvl1pPr algn="ctr" defTabSz="2438400">
+              <a:spcBef>
+                <a:spcPts val="0"/>
+              </a:spcBef>
+              <a:defRPr sz="2400"/>
+            </a:lvl1pPr>
+          </a:lstStyle>
+          <a:p>
+            <a:pPr/>
+            <a:r>
+              <a:t>Figure 7: Metrics graph of the Yolo training</a:t>
+            </a:r>
+          </a:p>
+        </p:txBody>
+      </p:sp>
+      <p:sp>
+        <p:nvSpPr>
+          <p:cNvPr id="240" name="Slide Subtitle"/>
+          <p:cNvSpPr txBox="1"/>
+          <p:nvPr>
+            <p:ph type="body" idx="22"/>
+          </p:nvPr>
+        </p:nvSpPr>
+        <p:spPr>
+          <a:prstGeom prst="rect">
+            <a:avLst/>
+          </a:prstGeom>
+        </p:spPr>
+        <p:txBody>
+          <a:bodyPr/>
+          <a:lstStyle/>
+          <a:p>
+            <a:pPr/>
+          </a:p>
+        </p:txBody>
+      </p:sp>
+      <p:sp>
+        <p:nvSpPr>
+          <p:cNvPr id="241" name="RGB sensor provides more reliable data under normal lighting conditions…"/>
+          <p:cNvSpPr txBox="1"/>
+          <p:nvPr>
+            <p:ph type="body" sz="half" idx="1"/>
+          </p:nvPr>
+        </p:nvSpPr>
+        <p:spPr>
+          <a:prstGeom prst="rect">
+            <a:avLst/>
+          </a:prstGeom>
+        </p:spPr>
+        <p:txBody>
+          <a:bodyPr/>
+          <a:lstStyle/>
+          <a:p>
+            <a:pPr/>
+            <a:r>
+              <a:t>RGB sensor provides more reliable data under normal lighting conditions</a:t>
+            </a:r>
+          </a:p>
+          <a:p>
+            <a:pPr/>
+            <a:r>
+              <a:t>Depth sensor proves to be more useful during poor lighting conditions.</a:t>
+            </a:r>
+          </a:p>
+          <a:p>
+            <a:pPr/>
+            <a:r>
+              <a:t>Combining both the sensors provides coverage of more scenarios and broader applications</a:t>
+            </a:r>
+          </a:p>
+        </p:txBody>
+      </p:sp>
+      <p:sp>
+        <p:nvSpPr>
+          <p:cNvPr id="242" name="Slide Number"/>
+          <p:cNvSpPr txBox="1"/>
+          <p:nvPr>
+            <p:ph type="sldNum" sz="quarter" idx="4294967295"/>
+          </p:nvPr>
+        </p:nvSpPr>
+        <p:spPr>
+          <a:xfrm>
+            <a:off x="12014199" y="12746350"/>
+            <a:ext cx="368301" cy="382911"/>
+          </a:xfrm>
+          <a:prstGeom prst="rect">
+            <a:avLst/>
+          </a:prstGeom>
+          <a:extLst>
+            <a:ext uri="{C572A759-6A51-4108-AA02-DFA0A04FC94B}">
+              <ma14:wrappingTextBoxFlag xmlns:ma14="http://schemas.microsoft.com/office/mac/drawingml/2011/main" val="1"/>
+            </a:ext>
+          </a:extLst>
+        </p:spPr>
+        <p:txBody>
+          <a:bodyPr/>
+          <a:lstStyle/>
+          <a:p>
+            <a:pPr/>
+            <a:fld id="{86CB4B4D-7CA3-9044-876B-883B54F8677D}" type="slidenum"/>
+          </a:p>
+        </p:txBody>
+      </p:sp>
+      <p:pic>
+        <p:nvPicPr>
+          <p:cNvPr id="243" name="Google Shape;56;p13" descr="Google Shape;56;p13"/>
           <p:cNvPicPr>
             <a:picLocks noChangeAspect="1"/>
           </p:cNvPicPr>
           <p:nvPr/>
         </p:nvPicPr>
         <p:blipFill>
-          <a:blip r:embed="rId2">
+          <a:blip r:embed="rId3">
             <a:extLst/>
           </a:blip>
           <a:stretch>
@@ -4444,37 +4607,6 @@
           </a:ln>
         </p:spPr>
       </p:pic>
-      <p:sp>
-        <p:nvSpPr>
-          <p:cNvPr id="234" name="Slide Number"/>
-          <p:cNvSpPr txBox="1"/>
-          <p:nvPr>
-            <p:ph type="sldNum" sz="quarter" idx="4294967295"/>
-          </p:nvPr>
-        </p:nvSpPr>
-        <p:spPr>
-          <a:xfrm>
-            <a:off x="12011659" y="12746350"/>
-            <a:ext cx="368301" cy="382911"/>
-          </a:xfrm>
-          <a:prstGeom prst="rect">
-            <a:avLst/>
-          </a:prstGeom>
-          <a:extLst>
-            <a:ext uri="{C572A759-6A51-4108-AA02-DFA0A04FC94B}">
-              <ma14:wrappingTextBoxFlag xmlns:ma14="http://schemas.microsoft.com/office/mac/drawingml/2011/main" val="1"/>
-            </a:ext>
-          </a:extLst>
-        </p:spPr>
-        <p:txBody>
-          <a:bodyPr/>
-          <a:lstStyle/>
-          <a:p>
-            <a:pPr/>
-            <a:fld id="{86CB4B4D-7CA3-9044-876B-883B54F8677D}" type="slidenum"/>
-          </a:p>
-        </p:txBody>
-      </p:sp>
     </p:spTree>
   </p:cSld>
   <p:clrMapOvr>
@@ -4503,7 +4635,7 @@
       </p:grpSpPr>
       <p:sp>
         <p:nvSpPr>
-          <p:cNvPr id="236" name="Question??"/>
+          <p:cNvPr id="245" name="Limitations"/>
           <p:cNvSpPr txBox="1"/>
           <p:nvPr>
             <p:ph type="title"/>
@@ -4520,45 +4652,65 @@
           <a:p>
             <a:pPr/>
             <a:r>
-              <a:t>Question??</a:t>
-            </a:r>
-          </a:p>
-        </p:txBody>
-      </p:sp>
-      <p:sp>
-        <p:nvSpPr>
-          <p:cNvPr id="237" name="Slide Number"/>
-          <p:cNvSpPr txBox="1"/>
-          <p:nvPr>
-            <p:ph type="sldNum" sz="quarter" idx="4294967295"/>
-          </p:nvPr>
-        </p:nvSpPr>
-        <p:spPr>
-          <a:xfrm>
-            <a:off x="12016372" y="12746350"/>
-            <a:ext cx="358875" cy="382911"/>
-          </a:xfrm>
-          <a:prstGeom prst="rect">
-            <a:avLst/>
-          </a:prstGeom>
-          <a:extLst>
-            <a:ext uri="{C572A759-6A51-4108-AA02-DFA0A04FC94B}">
-              <ma14:wrappingTextBoxFlag xmlns:ma14="http://schemas.microsoft.com/office/mac/drawingml/2011/main" val="1"/>
-            </a:ext>
-          </a:extLst>
+              <a:t>Limitations</a:t>
+            </a:r>
+          </a:p>
+        </p:txBody>
+      </p:sp>
+      <p:sp>
+        <p:nvSpPr>
+          <p:cNvPr id="246" name="Sensor is currently outdated and not actively maintained by the manufacturer…"/>
+          <p:cNvSpPr txBox="1"/>
+          <p:nvPr>
+            <p:ph type="body" idx="1"/>
+          </p:nvPr>
+        </p:nvSpPr>
+        <p:spPr>
+          <a:prstGeom prst="rect">
+            <a:avLst/>
+          </a:prstGeom>
         </p:spPr>
         <p:txBody>
           <a:bodyPr/>
           <a:lstStyle/>
           <a:p>
             <a:pPr/>
-            <a:fld id="{86CB4B4D-7CA3-9044-876B-883B54F8677D}" type="slidenum"/>
+            <a:r>
+              <a:t>Sensor is currently outdated and not actively maintained by the manufacturer</a:t>
+            </a:r>
+          </a:p>
+          <a:p>
+            <a:pPr/>
+            <a:r>
+              <a:t>Latest platforms do not support both the sensors</a:t>
+            </a:r>
+          </a:p>
+        </p:txBody>
+      </p:sp>
+      <p:sp>
+        <p:nvSpPr>
+          <p:cNvPr id="247" name="Slide Subtitle"/>
+          <p:cNvSpPr txBox="1"/>
+          <p:nvPr>
+            <p:ph type="body" idx="21"/>
+          </p:nvPr>
+        </p:nvSpPr>
+        <p:spPr>
+          <a:prstGeom prst="rect">
+            <a:avLst/>
+          </a:prstGeom>
+        </p:spPr>
+        <p:txBody>
+          <a:bodyPr/>
+          <a:lstStyle/>
+          <a:p>
+            <a:pPr/>
           </a:p>
         </p:txBody>
       </p:sp>
       <p:pic>
         <p:nvPicPr>
-          <p:cNvPr id="238" name="Google Shape;56;p13" descr="Google Shape;56;p13"/>
+          <p:cNvPr id="248" name="Google Shape;56;p13" descr="Google Shape;56;p13"/>
           <p:cNvPicPr>
             <a:picLocks noChangeAspect="1"/>
           </p:cNvPicPr>
@@ -4574,7 +4726,7 @@
         </p:blipFill>
         <p:spPr>
           <a:xfrm>
-            <a:off x="21448075" y="12291670"/>
+            <a:off x="21448075" y="12304370"/>
             <a:ext cx="2883631" cy="1298944"/>
           </a:xfrm>
           <a:prstGeom prst="rect">
@@ -4585,6 +4737,37 @@
           </a:ln>
         </p:spPr>
       </p:pic>
+      <p:sp>
+        <p:nvSpPr>
+          <p:cNvPr id="249" name="Slide Number"/>
+          <p:cNvSpPr txBox="1"/>
+          <p:nvPr>
+            <p:ph type="sldNum" sz="quarter" idx="4294967295"/>
+          </p:nvPr>
+        </p:nvSpPr>
+        <p:spPr>
+          <a:xfrm>
+            <a:off x="12012562" y="12746350"/>
+            <a:ext cx="358876" cy="382911"/>
+          </a:xfrm>
+          <a:prstGeom prst="rect">
+            <a:avLst/>
+          </a:prstGeom>
+          <a:extLst>
+            <a:ext uri="{C572A759-6A51-4108-AA02-DFA0A04FC94B}">
+              <ma14:wrappingTextBoxFlag xmlns:ma14="http://schemas.microsoft.com/office/mac/drawingml/2011/main" val="1"/>
+            </a:ext>
+          </a:extLst>
+        </p:spPr>
+        <p:txBody>
+          <a:bodyPr/>
+          <a:lstStyle/>
+          <a:p>
+            <a:pPr/>
+            <a:fld id="{86CB4B4D-7CA3-9044-876B-883B54F8677D}" type="slidenum"/>
+          </a:p>
+        </p:txBody>
+      </p:sp>
     </p:spTree>
   </p:cSld>
   <p:clrMapOvr>
@@ -4613,7 +4796,7 @@
       </p:grpSpPr>
       <p:sp>
         <p:nvSpPr>
-          <p:cNvPr id="240" name="Thank you!!!"/>
+          <p:cNvPr id="251" name="GitHub repo link:…"/>
           <p:cNvSpPr txBox="1"/>
           <p:nvPr>
             <p:ph type="title"/>
@@ -4630,14 +4813,51 @@
           <a:p>
             <a:pPr/>
             <a:r>
-              <a:t>Thank you!!!</a:t>
-            </a:r>
-          </a:p>
-        </p:txBody>
-      </p:sp>
-      <p:sp>
-        <p:nvSpPr>
-          <p:cNvPr id="241" name="Slide Number"/>
+              <a:t>GitHub repo link: </a:t>
+            </a:r>
+          </a:p>
+          <a:p>
+            <a:pPr>
+              <a:defRPr b="0" sz="10700"/>
+            </a:pPr>
+            <a:r>
+              <a:t>https://github.com/kushalprakash6/ObjectDetectionAndTracking</a:t>
+            </a:r>
+          </a:p>
+        </p:txBody>
+      </p:sp>
+      <p:pic>
+        <p:nvPicPr>
+          <p:cNvPr id="252" name="Google Shape;56;p13" descr="Google Shape;56;p13"/>
+          <p:cNvPicPr>
+            <a:picLocks noChangeAspect="1"/>
+          </p:cNvPicPr>
+          <p:nvPr/>
+        </p:nvPicPr>
+        <p:blipFill>
+          <a:blip r:embed="rId2">
+            <a:extLst/>
+          </a:blip>
+          <a:stretch>
+            <a:fillRect/>
+          </a:stretch>
+        </p:blipFill>
+        <p:spPr>
+          <a:xfrm>
+            <a:off x="21448075" y="12304370"/>
+            <a:ext cx="2883631" cy="1298944"/>
+          </a:xfrm>
+          <a:prstGeom prst="rect">
+            <a:avLst/>
+          </a:prstGeom>
+          <a:ln w="12700">
+            <a:miter lim="400000"/>
+          </a:ln>
+        </p:spPr>
+      </p:pic>
+      <p:sp>
+        <p:nvSpPr>
+          <p:cNvPr id="253" name="Slide Number"/>
           <p:cNvSpPr txBox="1"/>
           <p:nvPr>
             <p:ph type="sldNum" sz="quarter" idx="4294967295"/>
@@ -4666,9 +4886,310 @@
           </a:p>
         </p:txBody>
       </p:sp>
+    </p:spTree>
+  </p:cSld>
+  <p:clrMapOvr>
+    <a:masterClrMapping/>
+  </p:clrMapOvr>
+  <p:transition xmlns:p14="http://schemas.microsoft.com/office/powerpoint/2010/main" spd="med" advClick="1"/>
+</p:sld>
+</file>
+
+<file path=ppt/slides/slide13.xml><?xml version="1.0" encoding="utf-8"?>
+<p:sld xmlns:a="http://schemas.openxmlformats.org/drawingml/2006/main" xmlns:r="http://schemas.openxmlformats.org/officeDocument/2006/relationships" xmlns:p="http://schemas.openxmlformats.org/presentationml/2006/main" xmlns:m="http://schemas.openxmlformats.org/officeDocument/2006/math" xmlns:a14="http://schemas.microsoft.com/office/drawing/2010/main" showMasterSp="1" showMasterPhAnim="1">
+  <p:cSld>
+    <p:spTree>
+      <p:nvGrpSpPr>
+        <p:cNvPr id="1" name=""/>
+        <p:cNvGrpSpPr/>
+        <p:nvPr/>
+      </p:nvGrpSpPr>
+      <p:grpSpPr>
+        <a:xfrm>
+          <a:off x="0" y="0"/>
+          <a:ext cx="0" cy="0"/>
+          <a:chOff x="0" y="0"/>
+          <a:chExt cx="0" cy="0"/>
+        </a:xfrm>
+      </p:grpSpPr>
+      <p:sp>
+        <p:nvSpPr>
+          <p:cNvPr id="255" name="Demo"/>
+          <p:cNvSpPr txBox="1"/>
+          <p:nvPr>
+            <p:ph type="title"/>
+          </p:nvPr>
+        </p:nvSpPr>
+        <p:spPr>
+          <a:prstGeom prst="rect">
+            <a:avLst/>
+          </a:prstGeom>
+        </p:spPr>
+        <p:txBody>
+          <a:bodyPr/>
+          <a:lstStyle/>
+          <a:p>
+            <a:pPr/>
+            <a:r>
+              <a:t>Demo</a:t>
+            </a:r>
+          </a:p>
+        </p:txBody>
+      </p:sp>
       <p:pic>
         <p:nvPicPr>
-          <p:cNvPr id="242" name="Google Shape;56;p13" descr="Google Shape;56;p13"/>
+          <p:cNvPr id="256" name="Google Shape;56;p13" descr="Google Shape;56;p13"/>
+          <p:cNvPicPr>
+            <a:picLocks noChangeAspect="1"/>
+          </p:cNvPicPr>
+          <p:nvPr/>
+        </p:nvPicPr>
+        <p:blipFill>
+          <a:blip r:embed="rId2">
+            <a:extLst/>
+          </a:blip>
+          <a:stretch>
+            <a:fillRect/>
+          </a:stretch>
+        </p:blipFill>
+        <p:spPr>
+          <a:xfrm>
+            <a:off x="21448075" y="12291670"/>
+            <a:ext cx="2883631" cy="1298944"/>
+          </a:xfrm>
+          <a:prstGeom prst="rect">
+            <a:avLst/>
+          </a:prstGeom>
+          <a:ln w="12700">
+            <a:miter lim="400000"/>
+          </a:ln>
+        </p:spPr>
+      </p:pic>
+      <p:sp>
+        <p:nvSpPr>
+          <p:cNvPr id="257" name="Slide Number"/>
+          <p:cNvSpPr txBox="1"/>
+          <p:nvPr>
+            <p:ph type="sldNum" sz="quarter" idx="4294967295"/>
+          </p:nvPr>
+        </p:nvSpPr>
+        <p:spPr>
+          <a:xfrm>
+            <a:off x="12011659" y="12746350"/>
+            <a:ext cx="368301" cy="382911"/>
+          </a:xfrm>
+          <a:prstGeom prst="rect">
+            <a:avLst/>
+          </a:prstGeom>
+          <a:extLst>
+            <a:ext uri="{C572A759-6A51-4108-AA02-DFA0A04FC94B}">
+              <ma14:wrappingTextBoxFlag xmlns:ma14="http://schemas.microsoft.com/office/mac/drawingml/2011/main" val="1"/>
+            </a:ext>
+          </a:extLst>
+        </p:spPr>
+        <p:txBody>
+          <a:bodyPr/>
+          <a:lstStyle/>
+          <a:p>
+            <a:pPr/>
+            <a:fld id="{86CB4B4D-7CA3-9044-876B-883B54F8677D}" type="slidenum"/>
+          </a:p>
+        </p:txBody>
+      </p:sp>
+    </p:spTree>
+  </p:cSld>
+  <p:clrMapOvr>
+    <a:masterClrMapping/>
+  </p:clrMapOvr>
+  <p:transition xmlns:p14="http://schemas.microsoft.com/office/powerpoint/2010/main" spd="med" advClick="1"/>
+</p:sld>
+</file>
+
+<file path=ppt/slides/slide14.xml><?xml version="1.0" encoding="utf-8"?>
+<p:sld xmlns:a="http://schemas.openxmlformats.org/drawingml/2006/main" xmlns:r="http://schemas.openxmlformats.org/officeDocument/2006/relationships" xmlns:p="http://schemas.openxmlformats.org/presentationml/2006/main" xmlns:m="http://schemas.openxmlformats.org/officeDocument/2006/math" xmlns:a14="http://schemas.microsoft.com/office/drawing/2010/main" showMasterSp="1" showMasterPhAnim="1">
+  <p:cSld>
+    <p:spTree>
+      <p:nvGrpSpPr>
+        <p:cNvPr id="1" name=""/>
+        <p:cNvGrpSpPr/>
+        <p:nvPr/>
+      </p:nvGrpSpPr>
+      <p:grpSpPr>
+        <a:xfrm>
+          <a:off x="0" y="0"/>
+          <a:ext cx="0" cy="0"/>
+          <a:chOff x="0" y="0"/>
+          <a:chExt cx="0" cy="0"/>
+        </a:xfrm>
+      </p:grpSpPr>
+      <p:sp>
+        <p:nvSpPr>
+          <p:cNvPr id="259" name="Question??"/>
+          <p:cNvSpPr txBox="1"/>
+          <p:nvPr>
+            <p:ph type="title"/>
+          </p:nvPr>
+        </p:nvSpPr>
+        <p:spPr>
+          <a:prstGeom prst="rect">
+            <a:avLst/>
+          </a:prstGeom>
+        </p:spPr>
+        <p:txBody>
+          <a:bodyPr/>
+          <a:lstStyle/>
+          <a:p>
+            <a:pPr/>
+            <a:r>
+              <a:t>Question??</a:t>
+            </a:r>
+          </a:p>
+        </p:txBody>
+      </p:sp>
+      <p:sp>
+        <p:nvSpPr>
+          <p:cNvPr id="260" name="Slide Number"/>
+          <p:cNvSpPr txBox="1"/>
+          <p:nvPr>
+            <p:ph type="sldNum" sz="quarter" idx="4294967295"/>
+          </p:nvPr>
+        </p:nvSpPr>
+        <p:spPr>
+          <a:xfrm>
+            <a:off x="12011659" y="12746350"/>
+            <a:ext cx="368301" cy="382911"/>
+          </a:xfrm>
+          <a:prstGeom prst="rect">
+            <a:avLst/>
+          </a:prstGeom>
+          <a:extLst>
+            <a:ext uri="{C572A759-6A51-4108-AA02-DFA0A04FC94B}">
+              <ma14:wrappingTextBoxFlag xmlns:ma14="http://schemas.microsoft.com/office/mac/drawingml/2011/main" val="1"/>
+            </a:ext>
+          </a:extLst>
+        </p:spPr>
+        <p:txBody>
+          <a:bodyPr/>
+          <a:lstStyle/>
+          <a:p>
+            <a:pPr/>
+            <a:fld id="{86CB4B4D-7CA3-9044-876B-883B54F8677D}" type="slidenum"/>
+          </a:p>
+        </p:txBody>
+      </p:sp>
+      <p:pic>
+        <p:nvPicPr>
+          <p:cNvPr id="261" name="Google Shape;56;p13" descr="Google Shape;56;p13"/>
+          <p:cNvPicPr>
+            <a:picLocks noChangeAspect="1"/>
+          </p:cNvPicPr>
+          <p:nvPr/>
+        </p:nvPicPr>
+        <p:blipFill>
+          <a:blip r:embed="rId2">
+            <a:extLst/>
+          </a:blip>
+          <a:stretch>
+            <a:fillRect/>
+          </a:stretch>
+        </p:blipFill>
+        <p:spPr>
+          <a:xfrm>
+            <a:off x="21448075" y="12291670"/>
+            <a:ext cx="2883631" cy="1298944"/>
+          </a:xfrm>
+          <a:prstGeom prst="rect">
+            <a:avLst/>
+          </a:prstGeom>
+          <a:ln w="12700">
+            <a:miter lim="400000"/>
+          </a:ln>
+        </p:spPr>
+      </p:pic>
+    </p:spTree>
+  </p:cSld>
+  <p:clrMapOvr>
+    <a:masterClrMapping/>
+  </p:clrMapOvr>
+  <p:transition xmlns:p14="http://schemas.microsoft.com/office/powerpoint/2010/main" spd="med" advClick="1"/>
+</p:sld>
+</file>
+
+<file path=ppt/slides/slide15.xml><?xml version="1.0" encoding="utf-8"?>
+<p:sld xmlns:a="http://schemas.openxmlformats.org/drawingml/2006/main" xmlns:r="http://schemas.openxmlformats.org/officeDocument/2006/relationships" xmlns:p="http://schemas.openxmlformats.org/presentationml/2006/main" xmlns:m="http://schemas.openxmlformats.org/officeDocument/2006/math" xmlns:a14="http://schemas.microsoft.com/office/drawing/2010/main" showMasterSp="1" showMasterPhAnim="1">
+  <p:cSld>
+    <p:spTree>
+      <p:nvGrpSpPr>
+        <p:cNvPr id="1" name=""/>
+        <p:cNvGrpSpPr/>
+        <p:nvPr/>
+      </p:nvGrpSpPr>
+      <p:grpSpPr>
+        <a:xfrm>
+          <a:off x="0" y="0"/>
+          <a:ext cx="0" cy="0"/>
+          <a:chOff x="0" y="0"/>
+          <a:chExt cx="0" cy="0"/>
+        </a:xfrm>
+      </p:grpSpPr>
+      <p:sp>
+        <p:nvSpPr>
+          <p:cNvPr id="263" name="Thank you!!!"/>
+          <p:cNvSpPr txBox="1"/>
+          <p:nvPr>
+            <p:ph type="title"/>
+          </p:nvPr>
+        </p:nvSpPr>
+        <p:spPr>
+          <a:prstGeom prst="rect">
+            <a:avLst/>
+          </a:prstGeom>
+        </p:spPr>
+        <p:txBody>
+          <a:bodyPr/>
+          <a:lstStyle/>
+          <a:p>
+            <a:pPr/>
+            <a:r>
+              <a:t>Thank you!!!</a:t>
+            </a:r>
+          </a:p>
+        </p:txBody>
+      </p:sp>
+      <p:sp>
+        <p:nvSpPr>
+          <p:cNvPr id="264" name="Slide Number"/>
+          <p:cNvSpPr txBox="1"/>
+          <p:nvPr>
+            <p:ph type="sldNum" sz="quarter" idx="4294967295"/>
+          </p:nvPr>
+        </p:nvSpPr>
+        <p:spPr>
+          <a:xfrm>
+            <a:off x="12011659" y="12746350"/>
+            <a:ext cx="368301" cy="382911"/>
+          </a:xfrm>
+          <a:prstGeom prst="rect">
+            <a:avLst/>
+          </a:prstGeom>
+          <a:extLst>
+            <a:ext uri="{C572A759-6A51-4108-AA02-DFA0A04FC94B}">
+              <ma14:wrappingTextBoxFlag xmlns:ma14="http://schemas.microsoft.com/office/mac/drawingml/2011/main" val="1"/>
+            </a:ext>
+          </a:extLst>
+        </p:spPr>
+        <p:txBody>
+          <a:bodyPr/>
+          <a:lstStyle/>
+          <a:p>
+            <a:pPr/>
+            <a:fld id="{86CB4B4D-7CA3-9044-876B-883B54F8677D}" type="slidenum"/>
+          </a:p>
+        </p:txBody>
+      </p:sp>
+      <p:pic>
+        <p:nvPicPr>
+          <p:cNvPr id="265" name="Google Shape;56;p13" descr="Google Shape;56;p13"/>
           <p:cNvPicPr>
             <a:picLocks noChangeAspect="1"/>
           </p:cNvPicPr>
@@ -5320,7 +5841,7 @@
       </p:grpSpPr>
       <p:sp>
         <p:nvSpPr>
-          <p:cNvPr id="197" name="Implementation"/>
+          <p:cNvPr id="197" name="Confusion Matrix"/>
           <p:cNvSpPr txBox="1"/>
           <p:nvPr>
             <p:ph type="title"/>
@@ -5337,7 +5858,7 @@
           <a:p>
             <a:pPr/>
             <a:r>
-              <a:t>Implementation</a:t>
+              <a:t>Confusion Matrix</a:t>
             </a:r>
           </a:p>
         </p:txBody>
@@ -5356,15 +5877,15 @@
           <a:blip r:embed="rId2">
             <a:extLst/>
           </a:blip>
-          <a:srcRect l="1136" t="0" r="1136" b="0"/>
+          <a:srcRect l="6801" t="0" r="6801" b="0"/>
           <a:stretch>
             <a:fillRect/>
           </a:stretch>
         </p:blipFill>
         <p:spPr>
           <a:xfrm>
-            <a:off x="12192644" y="1270000"/>
-            <a:ext cx="10922001" cy="11176000"/>
+            <a:off x="12192644" y="2119913"/>
+            <a:ext cx="10922001" cy="9476174"/>
           </a:xfrm>
           <a:prstGeom prst="rect">
             <a:avLst/>
@@ -5373,7 +5894,7 @@
       </p:pic>
       <p:sp>
         <p:nvSpPr>
-          <p:cNvPr id="199" name="Figure 2: Annotations for depth sensor data"/>
+          <p:cNvPr id="199" name="Figure 2: Confusion Matrix for depth images dataset"/>
           <p:cNvSpPr/>
           <p:nvPr/>
         </p:nvSpPr>
@@ -5409,7 +5930,7 @@
           <a:p>
             <a:pPr/>
             <a:r>
-              <a:t>Figure 2: Annotations for depth sensor data</a:t>
+              <a:t>Figure 2: Confusion Matrix for depth images dataset</a:t>
             </a:r>
           </a:p>
         </p:txBody>
@@ -5437,7 +5958,7 @@
       </p:sp>
       <p:sp>
         <p:nvSpPr>
-          <p:cNvPr id="201" name="Experimental setup and sensor placement…"/>
+          <p:cNvPr id="201" name="A confusion matrix was generated for the testing data"/>
           <p:cNvSpPr txBox="1"/>
           <p:nvPr>
             <p:ph type="body" sz="half" idx="1"/>
@@ -5454,13 +5975,7 @@
           <a:p>
             <a:pPr/>
             <a:r>
-              <a:t>Experimental setup and sensor placement </a:t>
-            </a:r>
-          </a:p>
-          <a:p>
-            <a:pPr/>
-            <a:r>
-              <a:t>Z.16 data format used for data collection</a:t>
+              <a:t>A confusion matrix was generated for the testing data</a:t>
             </a:r>
           </a:p>
         </p:txBody>
@@ -5514,7 +6029,7 @@
         </p:blipFill>
         <p:spPr>
           <a:xfrm>
-            <a:off x="21448075" y="12291670"/>
+            <a:off x="21435375" y="12304370"/>
             <a:ext cx="2883631" cy="1298944"/>
           </a:xfrm>
           <a:prstGeom prst="rect">
@@ -5553,7 +6068,7 @@
       </p:grpSpPr>
       <p:sp>
         <p:nvSpPr>
-          <p:cNvPr id="205" name="Yolo algorithm"/>
+          <p:cNvPr id="205" name="Model Training"/>
           <p:cNvSpPr txBox="1"/>
           <p:nvPr>
             <p:ph type="title"/>
@@ -5570,7 +6085,7 @@
           <a:p>
             <a:pPr/>
             <a:r>
-              <a:t>Yolo algorithm</a:t>
+              <a:t>Model Training</a:t>
             </a:r>
           </a:p>
         </p:txBody>
@@ -5589,15 +6104,15 @@
           <a:blip r:embed="rId2">
             <a:extLst/>
           </a:blip>
-          <a:srcRect l="0" t="0" r="0" b="0"/>
+          <a:srcRect l="1136" t="0" r="1136" b="0"/>
           <a:stretch>
             <a:fillRect/>
           </a:stretch>
         </p:blipFill>
         <p:spPr>
           <a:xfrm>
-            <a:off x="12192645" y="4617589"/>
-            <a:ext cx="10922000" cy="4480822"/>
+            <a:off x="12192644" y="1270000"/>
+            <a:ext cx="10922001" cy="11176000"/>
           </a:xfrm>
           <a:prstGeom prst="rect">
             <a:avLst/>
@@ -5606,7 +6121,7 @@
       </p:pic>
       <p:sp>
         <p:nvSpPr>
-          <p:cNvPr id="207" name="Figure 3: Convolutional Neural Network(CNN)"/>
+          <p:cNvPr id="207" name="Figure 3: Annotations for COCO dataset images"/>
           <p:cNvSpPr/>
           <p:nvPr/>
         </p:nvSpPr>
@@ -5642,7 +6157,7 @@
           <a:p>
             <a:pPr/>
             <a:r>
-              <a:t>Figure 3: Convolutional Neural Network(CNN)</a:t>
+              <a:t>Figure 3: Annotations for COCO dataset images</a:t>
             </a:r>
           </a:p>
         </p:txBody>
@@ -5670,7 +6185,7 @@
       </p:sp>
       <p:sp>
         <p:nvSpPr>
-          <p:cNvPr id="209" name="Used Yolov8 for detection algorithm…"/>
+          <p:cNvPr id="209" name="Model was trained for 100 epochs with object detection as the primary focus."/>
           <p:cNvSpPr txBox="1"/>
           <p:nvPr>
             <p:ph type="body" sz="half" idx="1"/>
@@ -5687,19 +6202,7 @@
           <a:p>
             <a:pPr/>
             <a:r>
-              <a:t>Used Yolov8 for detection algorithm </a:t>
-            </a:r>
-          </a:p>
-          <a:p>
-            <a:pPr/>
-            <a:r>
-              <a:t>Threshold</a:t>
-            </a:r>
-          </a:p>
-          <a:p>
-            <a:pPr/>
-            <a:r>
-              <a:t>Boundary box</a:t>
+              <a:t>Model was trained for 100 epochs with object detection as the primary focus.</a:t>
             </a:r>
           </a:p>
         </p:txBody>
@@ -5792,7 +6295,7 @@
       </p:grpSpPr>
       <p:sp>
         <p:nvSpPr>
-          <p:cNvPr id="213" name="Results"/>
+          <p:cNvPr id="213" name="Implementation"/>
           <p:cNvSpPr txBox="1"/>
           <p:nvPr>
             <p:ph type="title"/>
@@ -5809,7 +6312,7 @@
           <a:p>
             <a:pPr/>
             <a:r>
-              <a:t>Results</a:t>
+              <a:t>Implementation</a:t>
             </a:r>
           </a:p>
         </p:txBody>
@@ -5828,15 +6331,15 @@
           <a:blip r:embed="rId2">
             <a:extLst/>
           </a:blip>
-          <a:srcRect l="0" t="0" r="0" b="0"/>
+          <a:srcRect l="1136" t="0" r="1136" b="0"/>
           <a:stretch>
             <a:fillRect/>
           </a:stretch>
         </p:blipFill>
         <p:spPr>
           <a:xfrm>
-            <a:off x="12192645" y="4123199"/>
-            <a:ext cx="10922000" cy="5469602"/>
+            <a:off x="12192644" y="1270000"/>
+            <a:ext cx="10922001" cy="11176000"/>
           </a:xfrm>
           <a:prstGeom prst="rect">
             <a:avLst/>
@@ -5845,7 +6348,7 @@
       </p:pic>
       <p:sp>
         <p:nvSpPr>
-          <p:cNvPr id="215" name="Figure 4: Metrics graph of the Yolo training"/>
+          <p:cNvPr id="215" name="Figure 4: Annotations for depth sensor dataset"/>
           <p:cNvSpPr/>
           <p:nvPr/>
         </p:nvSpPr>
@@ -5881,7 +6384,7 @@
           <a:p>
             <a:pPr/>
             <a:r>
-              <a:t>Figure 4: Metrics graph of the Yolo training</a:t>
+              <a:t>Figure 4: Annotations for depth sensor dataset</a:t>
             </a:r>
           </a:p>
         </p:txBody>
@@ -5909,7 +6412,7 @@
       </p:sp>
       <p:sp>
         <p:nvSpPr>
-          <p:cNvPr id="217" name="RGB sensor provides more reliable data under normal lighting conditions…"/>
+          <p:cNvPr id="217" name="Experimental setup and sensor placement…"/>
           <p:cNvSpPr txBox="1"/>
           <p:nvPr>
             <p:ph type="body" sz="half" idx="1"/>
@@ -5926,19 +6429,13 @@
           <a:p>
             <a:pPr/>
             <a:r>
-              <a:t>RGB sensor provides more reliable data under normal lighting conditions</a:t>
-            </a:r>
-          </a:p>
-          <a:p>
-            <a:pPr/>
-            <a:r>
-              <a:t>Depth sensor proves to be more useful during poor lighting conditions.</a:t>
-            </a:r>
-          </a:p>
-          <a:p>
-            <a:pPr/>
-            <a:r>
-              <a:t>Combining both the sensors provides coverage of more scenarios and broader applications</a:t>
+              <a:t>Experimental setup and sensor placement </a:t>
+            </a:r>
+          </a:p>
+          <a:p>
+            <a:pPr/>
+            <a:r>
+              <a:t>Z.16 data format used for data collection</a:t>
             </a:r>
           </a:p>
         </p:txBody>
@@ -6031,7 +6528,7 @@
       </p:grpSpPr>
       <p:sp>
         <p:nvSpPr>
-          <p:cNvPr id="221" name="Limitations"/>
+          <p:cNvPr id="221" name="Yolo algorithm"/>
           <p:cNvSpPr txBox="1"/>
           <p:nvPr>
             <p:ph type="title"/>
@@ -6048,7 +6545,7 @@
           <a:p>
             <a:pPr/>
             <a:r>
-              <a:t>Limitations</a:t>
+              <a:t>Yolo algorithm</a:t>
             </a:r>
           </a:p>
         </p:txBody>
@@ -6074,8 +6571,8 @@
         </p:blipFill>
         <p:spPr>
           <a:xfrm>
-            <a:off x="12194575" y="2429205"/>
-            <a:ext cx="10922001" cy="6980453"/>
+            <a:off x="12192645" y="4810125"/>
+            <a:ext cx="10922001" cy="4095750"/>
           </a:xfrm>
           <a:prstGeom prst="rect">
             <a:avLst/>
@@ -6084,14 +6581,14 @@
       </p:pic>
       <p:sp>
         <p:nvSpPr>
-          <p:cNvPr id="223" name="Figure 5: Results of our code to choose the best sensor for the given frame"/>
+          <p:cNvPr id="223" name="Figure 5: Yolov8 against previous versions"/>
           <p:cNvSpPr/>
           <p:nvPr/>
         </p:nvSpPr>
         <p:spPr>
           <a:xfrm>
-            <a:off x="12194574" y="11609031"/>
-            <a:ext cx="10922002" cy="431553"/>
+            <a:off x="12192644" y="12547600"/>
+            <a:ext cx="10922002" cy="431552"/>
           </a:xfrm>
           <a:prstGeom prst="roundRect">
             <a:avLst>
@@ -6120,7 +6617,7 @@
           <a:p>
             <a:pPr/>
             <a:r>
-              <a:t>Figure 5: Results of our code to choose the best sensor for the given frame</a:t>
+              <a:t>Figure 5: Yolov8 against previous versions</a:t>
             </a:r>
           </a:p>
         </p:txBody>
@@ -6148,7 +6645,7 @@
       </p:sp>
       <p:sp>
         <p:nvSpPr>
-          <p:cNvPr id="225" name="Sensor is currently outdated and not actively maintained by the manufacturer…"/>
+          <p:cNvPr id="225" name="Used Yolov8 for detection algorithm…"/>
           <p:cNvSpPr txBox="1"/>
           <p:nvPr>
             <p:ph type="body" sz="half" idx="1"/>
@@ -6165,20 +6662,57 @@
           <a:p>
             <a:pPr/>
             <a:r>
-              <a:t>Sensor is currently outdated and not actively maintained by the manufacturer</a:t>
-            </a:r>
-          </a:p>
-          <a:p>
-            <a:pPr/>
-            <a:r>
-              <a:t>Latest platforms do not support both the sensors</a:t>
-            </a:r>
+              <a:t>Used Yolov8 for detection algorithm </a:t>
+            </a:r>
+          </a:p>
+          <a:p>
+            <a:pPr/>
+            <a:r>
+              <a:t>Threshold</a:t>
+            </a:r>
+          </a:p>
+          <a:p>
+            <a:pPr/>
+            <a:r>
+              <a:t>Boundary box</a:t>
+            </a:r>
+          </a:p>
+        </p:txBody>
+      </p:sp>
+      <p:sp>
+        <p:nvSpPr>
+          <p:cNvPr id="226" name="Slide Number"/>
+          <p:cNvSpPr txBox="1"/>
+          <p:nvPr>
+            <p:ph type="sldNum" sz="quarter" idx="4294967295"/>
+          </p:nvPr>
+        </p:nvSpPr>
+        <p:spPr>
+          <a:xfrm>
+            <a:off x="12077699" y="12746350"/>
+            <a:ext cx="241301" cy="382911"/>
+          </a:xfrm>
+          <a:prstGeom prst="rect">
+            <a:avLst/>
+          </a:prstGeom>
+          <a:extLst>
+            <a:ext uri="{C572A759-6A51-4108-AA02-DFA0A04FC94B}">
+              <ma14:wrappingTextBoxFlag xmlns:ma14="http://schemas.microsoft.com/office/mac/drawingml/2011/main" val="1"/>
+            </a:ext>
+          </a:extLst>
+        </p:spPr>
+        <p:txBody>
+          <a:bodyPr/>
+          <a:lstStyle/>
+          <a:p>
+            <a:pPr/>
+            <a:fld id="{86CB4B4D-7CA3-9044-876B-883B54F8677D}" type="slidenum"/>
           </a:p>
         </p:txBody>
       </p:sp>
       <p:pic>
         <p:nvPicPr>
-          <p:cNvPr id="226" name="Google Shape;56;p13" descr="Google Shape;56;p13"/>
+          <p:cNvPr id="227" name="Google Shape;56;p13" descr="Google Shape;56;p13"/>
           <p:cNvPicPr>
             <a:picLocks noChangeAspect="1"/>
           </p:cNvPicPr>
@@ -6194,7 +6728,7 @@
         </p:blipFill>
         <p:spPr>
           <a:xfrm>
-            <a:off x="21448075" y="12304370"/>
+            <a:off x="21448075" y="12291670"/>
             <a:ext cx="2883631" cy="1298944"/>
           </a:xfrm>
           <a:prstGeom prst="rect">
@@ -6233,7 +6767,7 @@
       </p:grpSpPr>
       <p:sp>
         <p:nvSpPr>
-          <p:cNvPr id="228" name="GitHub repo link:…"/>
+          <p:cNvPr id="229" name="Combining Sensors to obtain best of both results"/>
           <p:cNvSpPr txBox="1"/>
           <p:nvPr>
             <p:ph type="title"/>
@@ -6246,33 +6780,177 @@
         </p:spPr>
         <p:txBody>
           <a:bodyPr/>
-          <a:lstStyle/>
-          <a:p>
-            <a:pPr/>
-            <a:r>
-              <a:t>GitHub repo link: </a:t>
-            </a:r>
-          </a:p>
-          <a:p>
-            <a:pPr>
-              <a:defRPr b="0" sz="10700"/>
-            </a:pPr>
-            <a:r>
-              <a:t>https://github.com/kushalprakash6/ObjectDetectionAndTracking</a:t>
+          <a:lstStyle>
+            <a:lvl1pPr defTabSz="1658111">
+              <a:defRPr spc="-57" sz="5712"/>
+            </a:lvl1pPr>
+          </a:lstStyle>
+          <a:p>
+            <a:pPr/>
+            <a:r>
+              <a:t>Combining Sensors to obtain best of both results</a:t>
             </a:r>
           </a:p>
         </p:txBody>
       </p:sp>
       <p:pic>
         <p:nvPicPr>
-          <p:cNvPr id="229" name="Google Shape;56;p13" descr="Google Shape;56;p13"/>
+          <p:cNvPr id="230" name="Sea against sky at sunset" descr="Sea against sky at sunset"/>
+          <p:cNvPicPr>
+            <a:picLocks noChangeAspect="1"/>
+          </p:cNvPicPr>
+          <p:nvPr>
+            <p:ph type="pic" idx="21"/>
+          </p:nvPr>
+        </p:nvPicPr>
+        <p:blipFill>
+          <a:blip r:embed="rId2">
+            <a:extLst/>
+          </a:blip>
+          <a:srcRect l="0" t="0" r="0" b="0"/>
+          <a:stretch>
+            <a:fillRect/>
+          </a:stretch>
+        </p:blipFill>
+        <p:spPr>
+          <a:xfrm>
+            <a:off x="12194575" y="2072550"/>
+            <a:ext cx="10922001" cy="6980452"/>
+          </a:xfrm>
+          <a:prstGeom prst="rect">
+            <a:avLst/>
+          </a:prstGeom>
+        </p:spPr>
+      </p:pic>
+      <p:sp>
+        <p:nvSpPr>
+          <p:cNvPr id="231" name="Figure 6: Results of our code to choose the best sensor for the given frame"/>
+          <p:cNvSpPr/>
+          <p:nvPr/>
+        </p:nvSpPr>
+        <p:spPr>
+          <a:xfrm>
+            <a:off x="12194574" y="11252376"/>
+            <a:ext cx="10922002" cy="431552"/>
+          </a:xfrm>
+          <a:prstGeom prst="roundRect">
+            <a:avLst>
+              <a:gd name="adj" fmla="val 0"/>
+            </a:avLst>
+          </a:prstGeom>
+          <a:ln w="12700">
+            <a:miter lim="400000"/>
+          </a:ln>
+          <a:extLst>
+            <a:ext uri="{C572A759-6A51-4108-AA02-DFA0A04FC94B}">
+              <ma14:wrappingTextBoxFlag xmlns:ma14="http://schemas.microsoft.com/office/mac/drawingml/2011/main" val="1"/>
+            </a:ext>
+          </a:extLst>
+        </p:spPr>
+        <p:txBody>
+          <a:bodyPr lIns="50800" tIns="50800" rIns="50800" bIns="50800" anchor="ctr"/>
+          <a:lstStyle>
+            <a:lvl1pPr algn="ctr" defTabSz="2438400">
+              <a:spcBef>
+                <a:spcPts val="0"/>
+              </a:spcBef>
+              <a:defRPr sz="2400"/>
+            </a:lvl1pPr>
+          </a:lstStyle>
+          <a:p>
+            <a:pPr/>
+            <a:r>
+              <a:t>Figure 6: Results of our code to choose the best sensor for the given frame</a:t>
+            </a:r>
+          </a:p>
+        </p:txBody>
+      </p:sp>
+      <p:sp>
+        <p:nvSpPr>
+          <p:cNvPr id="232" name="Slide Subtitle"/>
+          <p:cNvSpPr txBox="1"/>
+          <p:nvPr>
+            <p:ph type="body" idx="22"/>
+          </p:nvPr>
+        </p:nvSpPr>
+        <p:spPr>
+          <a:prstGeom prst="rect">
+            <a:avLst/>
+          </a:prstGeom>
+        </p:spPr>
+        <p:txBody>
+          <a:bodyPr/>
+          <a:lstStyle/>
+          <a:p>
+            <a:pPr/>
+          </a:p>
+        </p:txBody>
+      </p:sp>
+      <p:sp>
+        <p:nvSpPr>
+          <p:cNvPr id="233" name="Based on confidence score, our algorithm choses the best sensor data for the situation or combines to get a consolidated result"/>
+          <p:cNvSpPr txBox="1"/>
+          <p:nvPr>
+            <p:ph type="body" sz="half" idx="1"/>
+          </p:nvPr>
+        </p:nvSpPr>
+        <p:spPr>
+          <a:prstGeom prst="rect">
+            <a:avLst/>
+          </a:prstGeom>
+        </p:spPr>
+        <p:txBody>
+          <a:bodyPr/>
+          <a:lstStyle/>
+          <a:p>
+            <a:pPr/>
+            <a:r>
+              <a:t>Based on confidence score, our algorithm choses the best sensor data for the situation or combines to get a consolidated result</a:t>
+            </a:r>
+          </a:p>
+        </p:txBody>
+      </p:sp>
+      <p:sp>
+        <p:nvSpPr>
+          <p:cNvPr id="234" name="Slide Number"/>
+          <p:cNvSpPr txBox="1"/>
+          <p:nvPr>
+            <p:ph type="sldNum" sz="quarter" idx="4294967295"/>
+          </p:nvPr>
+        </p:nvSpPr>
+        <p:spPr>
+          <a:xfrm>
+            <a:off x="12077699" y="12746350"/>
+            <a:ext cx="241301" cy="382911"/>
+          </a:xfrm>
+          <a:prstGeom prst="rect">
+            <a:avLst/>
+          </a:prstGeom>
+          <a:extLst>
+            <a:ext uri="{C572A759-6A51-4108-AA02-DFA0A04FC94B}">
+              <ma14:wrappingTextBoxFlag xmlns:ma14="http://schemas.microsoft.com/office/mac/drawingml/2011/main" val="1"/>
+            </a:ext>
+          </a:extLst>
+        </p:spPr>
+        <p:txBody>
+          <a:bodyPr/>
+          <a:lstStyle/>
+          <a:p>
+            <a:pPr/>
+            <a:fld id="{86CB4B4D-7CA3-9044-876B-883B54F8677D}" type="slidenum"/>
+          </a:p>
+        </p:txBody>
+      </p:sp>
+      <p:pic>
+        <p:nvPicPr>
+          <p:cNvPr id="235" name="Google Shape;56;p13" descr="Google Shape;56;p13"/>
           <p:cNvPicPr>
             <a:picLocks noChangeAspect="1"/>
           </p:cNvPicPr>
           <p:nvPr/>
         </p:nvPicPr>
         <p:blipFill>
-          <a:blip r:embed="rId2">
+          <a:blip r:embed="rId3">
             <a:extLst/>
           </a:blip>
           <a:stretch>
@@ -6281,7 +6959,7 @@
         </p:blipFill>
         <p:spPr>
           <a:xfrm>
-            <a:off x="21448075" y="12304370"/>
+            <a:off x="21448075" y="12291670"/>
             <a:ext cx="2883631" cy="1298944"/>
           </a:xfrm>
           <a:prstGeom prst="rect">
@@ -6292,37 +6970,6 @@
           </a:ln>
         </p:spPr>
       </p:pic>
-      <p:sp>
-        <p:nvSpPr>
-          <p:cNvPr id="230" name="Slide Number"/>
-          <p:cNvSpPr txBox="1"/>
-          <p:nvPr>
-            <p:ph type="sldNum" sz="quarter" idx="4294967295"/>
-          </p:nvPr>
-        </p:nvSpPr>
-        <p:spPr>
-          <a:xfrm>
-            <a:off x="12075159" y="12746350"/>
-            <a:ext cx="241301" cy="382911"/>
-          </a:xfrm>
-          <a:prstGeom prst="rect">
-            <a:avLst/>
-          </a:prstGeom>
-          <a:extLst>
-            <a:ext uri="{C572A759-6A51-4108-AA02-DFA0A04FC94B}">
-              <ma14:wrappingTextBoxFlag xmlns:ma14="http://schemas.microsoft.com/office/mac/drawingml/2011/main" val="1"/>
-            </a:ext>
-          </a:extLst>
-        </p:spPr>
-        <p:txBody>
-          <a:bodyPr/>
-          <a:lstStyle/>
-          <a:p>
-            <a:pPr/>
-            <a:fld id="{86CB4B4D-7CA3-9044-876B-883B54F8677D}" type="slidenum"/>
-          </a:p>
-        </p:txBody>
-      </p:sp>
     </p:spTree>
   </p:cSld>
   <p:clrMapOvr>
